--- a/docs/Презентцаия проекта.pptx
+++ b/docs/Презентцаия проекта.pptx
@@ -5,7 +5,7 @@
     <p:sldMasterId id="2147483790" r:id="rId1"/>
   </p:sldMasterIdLst>
   <p:notesMasterIdLst>
-    <p:notesMasterId r:id="rId16"/>
+    <p:notesMasterId r:id="rId17"/>
   </p:notesMasterIdLst>
   <p:sldIdLst>
     <p:sldId id="256" r:id="rId2"/>
@@ -14,14 +14,15 @@
     <p:sldId id="260" r:id="rId5"/>
     <p:sldId id="261" r:id="rId6"/>
     <p:sldId id="269" r:id="rId7"/>
-    <p:sldId id="265" r:id="rId8"/>
-    <p:sldId id="262" r:id="rId9"/>
-    <p:sldId id="258" r:id="rId10"/>
-    <p:sldId id="267" r:id="rId11"/>
-    <p:sldId id="263" r:id="rId12"/>
-    <p:sldId id="264" r:id="rId13"/>
-    <p:sldId id="268" r:id="rId14"/>
-    <p:sldId id="266" r:id="rId15"/>
+    <p:sldId id="271" r:id="rId8"/>
+    <p:sldId id="265" r:id="rId9"/>
+    <p:sldId id="262" r:id="rId10"/>
+    <p:sldId id="258" r:id="rId11"/>
+    <p:sldId id="267" r:id="rId12"/>
+    <p:sldId id="263" r:id="rId13"/>
+    <p:sldId id="264" r:id="rId14"/>
+    <p:sldId id="268" r:id="rId15"/>
+    <p:sldId id="266" r:id="rId16"/>
   </p:sldIdLst>
   <p:sldSz cx="12192000" cy="6858000"/>
   <p:notesSz cx="6858000" cy="9144000"/>
@@ -4385,7 +4386,7 @@
           <p:cNvPr id="2" name="Заголовок 1">
             <a:extLst>
               <a:ext uri="{FF2B5EF4-FFF2-40B4-BE49-F238E27FC236}">
-                <a16:creationId xmlns:a16="http://schemas.microsoft.com/office/drawing/2014/main" id="{9400DF42-B3AB-434D-B068-13896FA0AFAE}"/>
+                <a16:creationId xmlns:a16="http://schemas.microsoft.com/office/drawing/2014/main" id="{4CE7DC7D-CF5A-4288-8C7D-8034B2D2C8EB}"/>
               </a:ext>
             </a:extLst>
           </p:cNvPr>
@@ -4396,76 +4397,1449 @@
             <p:ph type="title"/>
           </p:nvPr>
         </p:nvSpPr>
-        <p:spPr/>
+        <p:spPr>
+          <a:xfrm>
+            <a:off x="1097280" y="286603"/>
+            <a:ext cx="10058400" cy="794851"/>
+          </a:xfrm>
+        </p:spPr>
         <p:txBody>
           <a:bodyPr/>
           <a:lstStyle/>
           <a:p>
             <a:r>
               <a:rPr lang="ru-RU" dirty="0"/>
-              <a:t>Р</a:t>
-            </a:r>
-          </a:p>
-        </p:txBody>
-      </p:sp>
-      <p:pic>
-        <p:nvPicPr>
-          <p:cNvPr id="6" name="Объект 5">
+              <a:t>Архитектура</a:t>
+            </a:r>
+          </a:p>
+        </p:txBody>
+      </p:sp>
+      <p:sp>
+        <p:nvSpPr>
+          <p:cNvPr id="4" name="Прямоугольник 3">
             <a:extLst>
               <a:ext uri="{FF2B5EF4-FFF2-40B4-BE49-F238E27FC236}">
-                <a16:creationId xmlns:a16="http://schemas.microsoft.com/office/drawing/2014/main" id="{20F3F5A1-5C98-47F4-84A5-57ECEC90B00F}"/>
+                <a16:creationId xmlns:a16="http://schemas.microsoft.com/office/drawing/2014/main" id="{B453DD33-E701-48BE-A10C-406249185209}"/>
               </a:ext>
             </a:extLst>
           </p:cNvPr>
-          <p:cNvPicPr>
-            <a:picLocks noGrp="1" noChangeAspect="1"/>
-          </p:cNvPicPr>
-          <p:nvPr>
-            <p:ph idx="1"/>
-          </p:nvPr>
-        </p:nvPicPr>
-        <p:blipFill>
-          <a:blip r:embed="rId2"/>
-          <a:stretch>
-            <a:fillRect/>
-          </a:stretch>
-        </p:blipFill>
-        <p:spPr>
-          <a:xfrm>
-            <a:off x="0" y="0"/>
-            <a:ext cx="12192000" cy="6858000"/>
-          </a:xfrm>
-        </p:spPr>
-      </p:pic>
-      <p:sp>
-        <p:nvSpPr>
-          <p:cNvPr id="4" name="Текст 3">
+          <p:cNvSpPr/>
+          <p:nvPr/>
+        </p:nvSpPr>
+        <p:spPr>
+          <a:xfrm>
+            <a:off x="4241261" y="4745683"/>
+            <a:ext cx="2570817" cy="1450909"/>
+          </a:xfrm>
+          <a:prstGeom prst="rect">
+            <a:avLst/>
+          </a:prstGeom>
+        </p:spPr>
+        <p:style>
+          <a:lnRef idx="2">
+            <a:schemeClr val="accent1">
+              <a:shade val="50000"/>
+            </a:schemeClr>
+          </a:lnRef>
+          <a:fillRef idx="1">
+            <a:schemeClr val="accent1"/>
+          </a:fillRef>
+          <a:effectRef idx="0">
+            <a:schemeClr val="accent1"/>
+          </a:effectRef>
+          <a:fontRef idx="minor">
+            <a:schemeClr val="lt1"/>
+          </a:fontRef>
+        </p:style>
+        <p:txBody>
+          <a:bodyPr rtlCol="0" anchor="ctr"/>
+          <a:lstStyle/>
+          <a:p>
+            <a:pPr algn="ctr"/>
+            <a:r>
+              <a:rPr lang="ru-RU" dirty="0">
+                <a:solidFill>
+                  <a:schemeClr val="bg1"/>
+                </a:solidFill>
+              </a:rPr>
+              <a:t>ПЛАТФОРМА</a:t>
+            </a:r>
+          </a:p>
+        </p:txBody>
+      </p:sp>
+      <p:sp>
+        <p:nvSpPr>
+          <p:cNvPr id="5" name="Овал 4">
             <a:extLst>
               <a:ext uri="{FF2B5EF4-FFF2-40B4-BE49-F238E27FC236}">
-                <a16:creationId xmlns:a16="http://schemas.microsoft.com/office/drawing/2014/main" id="{F07CF676-9587-4E26-9838-7B5DD5CD6359}"/>
+                <a16:creationId xmlns:a16="http://schemas.microsoft.com/office/drawing/2014/main" id="{D575A598-5551-4999-828E-B3DBD9EA1504}"/>
               </a:ext>
             </a:extLst>
           </p:cNvPr>
-          <p:cNvSpPr>
-            <a:spLocks noGrp="1"/>
-          </p:cNvSpPr>
-          <p:nvPr>
-            <p:ph type="body" sz="half" idx="2"/>
-          </p:nvPr>
-        </p:nvSpPr>
-        <p:spPr/>
-        <p:txBody>
-          <a:bodyPr/>
-          <a:lstStyle/>
-          <a:p>
-            <a:endParaRPr lang="ru-RU"/>
-          </a:p>
-        </p:txBody>
-      </p:sp>
+          <p:cNvSpPr/>
+          <p:nvPr/>
+        </p:nvSpPr>
+        <p:spPr>
+          <a:xfrm>
+            <a:off x="4355129" y="1045017"/>
+            <a:ext cx="2343079" cy="1450757"/>
+          </a:xfrm>
+          <a:prstGeom prst="ellipse">
+            <a:avLst/>
+          </a:prstGeom>
+          <a:ln w="38100">
+            <a:solidFill>
+              <a:schemeClr val="accent5"/>
+            </a:solidFill>
+          </a:ln>
+        </p:spPr>
+        <p:style>
+          <a:lnRef idx="2">
+            <a:schemeClr val="accent1">
+              <a:shade val="50000"/>
+            </a:schemeClr>
+          </a:lnRef>
+          <a:fillRef idx="1">
+            <a:schemeClr val="accent1"/>
+          </a:fillRef>
+          <a:effectRef idx="0">
+            <a:schemeClr val="accent1"/>
+          </a:effectRef>
+          <a:fontRef idx="minor">
+            <a:schemeClr val="lt1"/>
+          </a:fontRef>
+        </p:style>
+        <p:txBody>
+          <a:bodyPr rtlCol="0" anchor="ctr"/>
+          <a:lstStyle/>
+          <a:p>
+            <a:pPr algn="ctr"/>
+            <a:r>
+              <a:rPr lang="ru-RU" dirty="0"/>
+              <a:t>БОТЫ</a:t>
+            </a:r>
+          </a:p>
+          <a:p>
+            <a:pPr algn="ctr"/>
+            <a:r>
+              <a:rPr lang="en-US" dirty="0"/>
+              <a:t>.py .pyw .exe</a:t>
+            </a:r>
+          </a:p>
+          <a:p>
+            <a:pPr algn="ctr"/>
+            <a:r>
+              <a:rPr lang="ru-RU" dirty="0"/>
+              <a:t>Где угодно</a:t>
+            </a:r>
+          </a:p>
+        </p:txBody>
+      </p:sp>
+      <p:sp>
+        <p:nvSpPr>
+          <p:cNvPr id="6" name="Прямоугольник: скругленные углы 5">
+            <a:extLst>
+              <a:ext uri="{FF2B5EF4-FFF2-40B4-BE49-F238E27FC236}">
+                <a16:creationId xmlns:a16="http://schemas.microsoft.com/office/drawing/2014/main" id="{F643DDCC-075B-4F74-A14B-133CE88FBB51}"/>
+              </a:ext>
+            </a:extLst>
+          </p:cNvPr>
+          <p:cNvSpPr/>
+          <p:nvPr/>
+        </p:nvSpPr>
+        <p:spPr>
+          <a:xfrm>
+            <a:off x="196413" y="1175880"/>
+            <a:ext cx="2228779" cy="1067205"/>
+          </a:xfrm>
+          <a:prstGeom prst="roundRect">
+            <a:avLst/>
+          </a:prstGeom>
+          <a:ln w="28575">
+            <a:solidFill>
+              <a:srgbClr val="FF0000"/>
+            </a:solidFill>
+          </a:ln>
+        </p:spPr>
+        <p:style>
+          <a:lnRef idx="2">
+            <a:schemeClr val="accent1">
+              <a:shade val="50000"/>
+            </a:schemeClr>
+          </a:lnRef>
+          <a:fillRef idx="1">
+            <a:schemeClr val="accent1"/>
+          </a:fillRef>
+          <a:effectRef idx="0">
+            <a:schemeClr val="accent1"/>
+          </a:effectRef>
+          <a:fontRef idx="minor">
+            <a:schemeClr val="lt1"/>
+          </a:fontRef>
+        </p:style>
+        <p:txBody>
+          <a:bodyPr rtlCol="0" anchor="ctr"/>
+          <a:lstStyle/>
+          <a:p>
+            <a:pPr algn="ctr"/>
+            <a:endParaRPr lang="en-US" dirty="0"/>
+          </a:p>
+          <a:p>
+            <a:pPr algn="ctr"/>
+            <a:r>
+              <a:rPr lang="ru-RU" dirty="0"/>
+              <a:t>ИГРА</a:t>
+            </a:r>
+            <a:endParaRPr lang="en-US" dirty="0"/>
+          </a:p>
+          <a:p>
+            <a:pPr algn="ctr"/>
+            <a:r>
+              <a:rPr lang="ru-RU" dirty="0"/>
+              <a:t>.</a:t>
+            </a:r>
+            <a:r>
+              <a:rPr lang="en-US" dirty="0"/>
+              <a:t>py</a:t>
+            </a:r>
+            <a:endParaRPr lang="ru-RU" dirty="0"/>
+          </a:p>
+          <a:p>
+            <a:pPr algn="ctr"/>
+            <a:r>
+              <a:rPr lang="en-US" dirty="0"/>
+              <a:t>BotsFight/games</a:t>
+            </a:r>
+            <a:endParaRPr lang="ru-RU" dirty="0"/>
+          </a:p>
+          <a:p>
+            <a:pPr algn="ctr"/>
+            <a:endParaRPr lang="ru-RU" dirty="0"/>
+          </a:p>
+        </p:txBody>
+      </p:sp>
+      <p:sp>
+        <p:nvSpPr>
+          <p:cNvPr id="16" name="Блок-схема: подготовка 15">
+            <a:extLst>
+              <a:ext uri="{FF2B5EF4-FFF2-40B4-BE49-F238E27FC236}">
+                <a16:creationId xmlns:a16="http://schemas.microsoft.com/office/drawing/2014/main" id="{15473030-76B2-44ED-9646-4C1AF5589CEA}"/>
+              </a:ext>
+            </a:extLst>
+          </p:cNvPr>
+          <p:cNvSpPr/>
+          <p:nvPr/>
+        </p:nvSpPr>
+        <p:spPr>
+          <a:xfrm>
+            <a:off x="9731122" y="1175880"/>
+            <a:ext cx="2264465" cy="1142938"/>
+          </a:xfrm>
+          <a:prstGeom prst="flowChartPreparation">
+            <a:avLst/>
+          </a:prstGeom>
+        </p:spPr>
+        <p:style>
+          <a:lnRef idx="2">
+            <a:schemeClr val="accent1">
+              <a:shade val="50000"/>
+            </a:schemeClr>
+          </a:lnRef>
+          <a:fillRef idx="1">
+            <a:schemeClr val="accent1"/>
+          </a:fillRef>
+          <a:effectRef idx="0">
+            <a:schemeClr val="accent1"/>
+          </a:effectRef>
+          <a:fontRef idx="minor">
+            <a:schemeClr val="lt1"/>
+          </a:fontRef>
+        </p:style>
+        <p:txBody>
+          <a:bodyPr rtlCol="0" anchor="ctr"/>
+          <a:lstStyle/>
+          <a:p>
+            <a:pPr algn="ctr"/>
+            <a:r>
+              <a:rPr lang="ru-RU" dirty="0"/>
+              <a:t>ВЫВОД</a:t>
+            </a:r>
+            <a:endParaRPr lang="en-US" dirty="0"/>
+          </a:p>
+          <a:p>
+            <a:pPr algn="ctr"/>
+            <a:r>
+              <a:rPr lang="ru-RU" dirty="0"/>
+              <a:t>Окно программы</a:t>
+            </a:r>
+          </a:p>
+        </p:txBody>
+      </p:sp>
+      <p:cxnSp>
+        <p:nvCxnSpPr>
+          <p:cNvPr id="19" name="Соединитель: уступ 18">
+            <a:extLst>
+              <a:ext uri="{FF2B5EF4-FFF2-40B4-BE49-F238E27FC236}">
+                <a16:creationId xmlns:a16="http://schemas.microsoft.com/office/drawing/2014/main" id="{D8909597-E346-4506-B7BA-D2C07A8EF2FA}"/>
+              </a:ext>
+            </a:extLst>
+          </p:cNvPr>
+          <p:cNvCxnSpPr>
+            <a:cxnSpLocks/>
+          </p:cNvCxnSpPr>
+          <p:nvPr/>
+        </p:nvCxnSpPr>
+        <p:spPr>
+          <a:xfrm>
+            <a:off x="576285" y="2243084"/>
+            <a:ext cx="3669761" cy="3228053"/>
+          </a:xfrm>
+          <a:prstGeom prst="bentConnector3">
+            <a:avLst>
+              <a:gd name="adj1" fmla="val -74"/>
+            </a:avLst>
+          </a:prstGeom>
+          <a:ln w="57150">
+            <a:solidFill>
+              <a:srgbClr val="FF0000"/>
+            </a:solidFill>
+            <a:tailEnd type="triangle"/>
+          </a:ln>
+        </p:spPr>
+        <p:style>
+          <a:lnRef idx="1">
+            <a:schemeClr val="accent1"/>
+          </a:lnRef>
+          <a:fillRef idx="0">
+            <a:schemeClr val="accent1"/>
+          </a:fillRef>
+          <a:effectRef idx="0">
+            <a:schemeClr val="accent1"/>
+          </a:effectRef>
+          <a:fontRef idx="minor">
+            <a:schemeClr val="tx1"/>
+          </a:fontRef>
+        </p:style>
+      </p:cxnSp>
+      <p:cxnSp>
+        <p:nvCxnSpPr>
+          <p:cNvPr id="20" name="Соединитель: уступ 19">
+            <a:extLst>
+              <a:ext uri="{FF2B5EF4-FFF2-40B4-BE49-F238E27FC236}">
+                <a16:creationId xmlns:a16="http://schemas.microsoft.com/office/drawing/2014/main" id="{719B3341-F0D8-40B8-BBBB-A6456E882BB4}"/>
+              </a:ext>
+            </a:extLst>
+          </p:cNvPr>
+          <p:cNvCxnSpPr>
+            <a:cxnSpLocks/>
+          </p:cNvCxnSpPr>
+          <p:nvPr/>
+        </p:nvCxnSpPr>
+        <p:spPr>
+          <a:xfrm rot="10800000">
+            <a:off x="334109" y="2243085"/>
+            <a:ext cx="4560739" cy="3832400"/>
+          </a:xfrm>
+          <a:prstGeom prst="bentConnector3">
+            <a:avLst>
+              <a:gd name="adj1" fmla="val 99931"/>
+            </a:avLst>
+          </a:prstGeom>
+          <a:ln w="57150">
+            <a:solidFill>
+              <a:schemeClr val="accent1"/>
+            </a:solidFill>
+            <a:tailEnd type="triangle"/>
+          </a:ln>
+        </p:spPr>
+        <p:style>
+          <a:lnRef idx="1">
+            <a:schemeClr val="accent1"/>
+          </a:lnRef>
+          <a:fillRef idx="0">
+            <a:schemeClr val="accent1"/>
+          </a:fillRef>
+          <a:effectRef idx="0">
+            <a:schemeClr val="accent1"/>
+          </a:effectRef>
+          <a:fontRef idx="minor">
+            <a:schemeClr val="tx1"/>
+          </a:fontRef>
+        </p:style>
+      </p:cxnSp>
+      <p:sp>
+        <p:nvSpPr>
+          <p:cNvPr id="31" name="TextBox 30">
+            <a:extLst>
+              <a:ext uri="{FF2B5EF4-FFF2-40B4-BE49-F238E27FC236}">
+                <a16:creationId xmlns:a16="http://schemas.microsoft.com/office/drawing/2014/main" id="{D495EE35-BA77-4EAA-A515-3ABEAAA0ACFB}"/>
+              </a:ext>
+            </a:extLst>
+          </p:cNvPr>
+          <p:cNvSpPr txBox="1"/>
+          <p:nvPr/>
+        </p:nvSpPr>
+        <p:spPr>
+          <a:xfrm>
+            <a:off x="1089065" y="5552265"/>
+            <a:ext cx="2649983" cy="523220"/>
+          </a:xfrm>
+          <a:prstGeom prst="rect">
+            <a:avLst/>
+          </a:prstGeom>
+          <a:noFill/>
+        </p:spPr>
+        <p:txBody>
+          <a:bodyPr wrap="square" rtlCol="0">
+            <a:spAutoFit/>
+          </a:bodyPr>
+          <a:lstStyle/>
+          <a:p>
+            <a:r>
+              <a:rPr lang="ru-RU" sz="2800" dirty="0">
+                <a:solidFill>
+                  <a:schemeClr val="accent2">
+                    <a:lumMod val="75000"/>
+                  </a:schemeClr>
+                </a:solidFill>
+              </a:rPr>
+              <a:t>Настройки Игры</a:t>
+            </a:r>
+          </a:p>
+        </p:txBody>
+      </p:sp>
+      <p:sp>
+        <p:nvSpPr>
+          <p:cNvPr id="32" name="TextBox 31">
+            <a:extLst>
+              <a:ext uri="{FF2B5EF4-FFF2-40B4-BE49-F238E27FC236}">
+                <a16:creationId xmlns:a16="http://schemas.microsoft.com/office/drawing/2014/main" id="{31EDC6C7-1608-4F61-8497-E799E37EADBA}"/>
+              </a:ext>
+            </a:extLst>
+          </p:cNvPr>
+          <p:cNvSpPr txBox="1"/>
+          <p:nvPr/>
+        </p:nvSpPr>
+        <p:spPr>
+          <a:xfrm>
+            <a:off x="1056128" y="4982072"/>
+            <a:ext cx="3087174" cy="523220"/>
+          </a:xfrm>
+          <a:prstGeom prst="rect">
+            <a:avLst/>
+          </a:prstGeom>
+          <a:noFill/>
+        </p:spPr>
+        <p:txBody>
+          <a:bodyPr wrap="square" rtlCol="0">
+            <a:spAutoFit/>
+          </a:bodyPr>
+          <a:lstStyle/>
+          <a:p>
+            <a:r>
+              <a:rPr lang="ru-RU" sz="2800" dirty="0">
+                <a:solidFill>
+                  <a:srgbClr val="800000"/>
+                </a:solidFill>
+              </a:rPr>
+              <a:t>Поле </a:t>
+            </a:r>
+            <a:r>
+              <a:rPr lang="en-US" sz="2800" dirty="0">
+                <a:solidFill>
+                  <a:srgbClr val="800000"/>
+                </a:solidFill>
+              </a:rPr>
+              <a:t>| </a:t>
+            </a:r>
+            <a:r>
+              <a:rPr lang="ru-RU" sz="2800" dirty="0">
+                <a:solidFill>
+                  <a:srgbClr val="800000"/>
+                </a:solidFill>
+              </a:rPr>
+              <a:t>Статус игры</a:t>
+            </a:r>
+          </a:p>
+        </p:txBody>
+      </p:sp>
+      <p:cxnSp>
+        <p:nvCxnSpPr>
+          <p:cNvPr id="33" name="Соединитель: уступ 32">
+            <a:extLst>
+              <a:ext uri="{FF2B5EF4-FFF2-40B4-BE49-F238E27FC236}">
+                <a16:creationId xmlns:a16="http://schemas.microsoft.com/office/drawing/2014/main" id="{071C4E3E-B080-4537-A478-F991F3CCAA98}"/>
+              </a:ext>
+            </a:extLst>
+          </p:cNvPr>
+          <p:cNvCxnSpPr>
+            <a:cxnSpLocks/>
+            <a:endCxn id="5" idx="3"/>
+          </p:cNvCxnSpPr>
+          <p:nvPr/>
+        </p:nvCxnSpPr>
+        <p:spPr>
+          <a:xfrm rot="5400000" flipH="1" flipV="1">
+            <a:off x="3250817" y="3298235"/>
+            <a:ext cx="2462367" cy="432530"/>
+          </a:xfrm>
+          <a:prstGeom prst="bentConnector3">
+            <a:avLst>
+              <a:gd name="adj1" fmla="val 50000"/>
+            </a:avLst>
+          </a:prstGeom>
+          <a:ln w="57150">
+            <a:solidFill>
+              <a:schemeClr val="accent1"/>
+            </a:solidFill>
+            <a:tailEnd type="triangle"/>
+          </a:ln>
+        </p:spPr>
+        <p:style>
+          <a:lnRef idx="1">
+            <a:schemeClr val="accent1"/>
+          </a:lnRef>
+          <a:fillRef idx="0">
+            <a:schemeClr val="accent1"/>
+          </a:fillRef>
+          <a:effectRef idx="0">
+            <a:schemeClr val="accent1"/>
+          </a:effectRef>
+          <a:fontRef idx="minor">
+            <a:schemeClr val="tx1"/>
+          </a:fontRef>
+        </p:style>
+      </p:cxnSp>
+      <p:sp>
+        <p:nvSpPr>
+          <p:cNvPr id="44" name="TextBox 43">
+            <a:extLst>
+              <a:ext uri="{FF2B5EF4-FFF2-40B4-BE49-F238E27FC236}">
+                <a16:creationId xmlns:a16="http://schemas.microsoft.com/office/drawing/2014/main" id="{48FAB55F-D061-405B-B3A3-89E2D05B3CD4}"/>
+              </a:ext>
+            </a:extLst>
+          </p:cNvPr>
+          <p:cNvSpPr txBox="1"/>
+          <p:nvPr/>
+        </p:nvSpPr>
+        <p:spPr>
+          <a:xfrm>
+            <a:off x="4293100" y="3530297"/>
+            <a:ext cx="455159" cy="1331450"/>
+          </a:xfrm>
+          <a:prstGeom prst="rect">
+            <a:avLst/>
+          </a:prstGeom>
+          <a:noFill/>
+        </p:spPr>
+        <p:txBody>
+          <a:bodyPr vert="horz" wrap="square" bIns="36000" rtlCol="0">
+            <a:spAutoFit/>
+            <a:scene3d>
+              <a:camera prst="orthographicFront">
+                <a:rot lat="0" lon="0" rev="0"/>
+              </a:camera>
+              <a:lightRig rig="threePt" dir="t"/>
+            </a:scene3d>
+          </a:bodyPr>
+          <a:lstStyle/>
+          <a:p>
+            <a:pPr>
+              <a:lnSpc>
+                <a:spcPts val="2360"/>
+              </a:lnSpc>
+            </a:pPr>
+            <a:r>
+              <a:rPr lang="ru-RU" sz="2800" dirty="0">
+                <a:solidFill>
+                  <a:schemeClr val="accent2">
+                    <a:lumMod val="75000"/>
+                  </a:schemeClr>
+                </a:solidFill>
+              </a:rPr>
+              <a:t>Поле</a:t>
+            </a:r>
+          </a:p>
+        </p:txBody>
+      </p:sp>
+      <p:cxnSp>
+        <p:nvCxnSpPr>
+          <p:cNvPr id="45" name="Соединитель: уступ 44">
+            <a:extLst>
+              <a:ext uri="{FF2B5EF4-FFF2-40B4-BE49-F238E27FC236}">
+                <a16:creationId xmlns:a16="http://schemas.microsoft.com/office/drawing/2014/main" id="{9196F20E-34BE-4595-BDF3-F01E82A809F1}"/>
+              </a:ext>
+            </a:extLst>
+          </p:cNvPr>
+          <p:cNvCxnSpPr>
+            <a:cxnSpLocks/>
+            <a:stCxn id="5" idx="5"/>
+          </p:cNvCxnSpPr>
+          <p:nvPr/>
+        </p:nvCxnSpPr>
+        <p:spPr>
+          <a:xfrm rot="16200000" flipH="1">
+            <a:off x="5323591" y="3314796"/>
+            <a:ext cx="2462366" cy="399405"/>
+          </a:xfrm>
+          <a:prstGeom prst="bentConnector3">
+            <a:avLst>
+              <a:gd name="adj1" fmla="val 50000"/>
+            </a:avLst>
+          </a:prstGeom>
+          <a:ln w="57150">
+            <a:solidFill>
+              <a:srgbClr val="00B050"/>
+            </a:solidFill>
+            <a:tailEnd type="triangle"/>
+          </a:ln>
+        </p:spPr>
+        <p:style>
+          <a:lnRef idx="1">
+            <a:schemeClr val="accent1"/>
+          </a:lnRef>
+          <a:fillRef idx="0">
+            <a:schemeClr val="accent1"/>
+          </a:fillRef>
+          <a:effectRef idx="0">
+            <a:schemeClr val="accent1"/>
+          </a:effectRef>
+          <a:fontRef idx="minor">
+            <a:schemeClr val="tx1"/>
+          </a:fontRef>
+        </p:style>
+      </p:cxnSp>
+      <p:sp>
+        <p:nvSpPr>
+          <p:cNvPr id="48" name="TextBox 47">
+            <a:extLst>
+              <a:ext uri="{FF2B5EF4-FFF2-40B4-BE49-F238E27FC236}">
+                <a16:creationId xmlns:a16="http://schemas.microsoft.com/office/drawing/2014/main" id="{A8D5B330-8404-4579-97AD-C96E161D02CC}"/>
+              </a:ext>
+            </a:extLst>
+          </p:cNvPr>
+          <p:cNvSpPr txBox="1"/>
+          <p:nvPr/>
+        </p:nvSpPr>
+        <p:spPr>
+          <a:xfrm>
+            <a:off x="6410252" y="2337907"/>
+            <a:ext cx="356932" cy="1056370"/>
+          </a:xfrm>
+          <a:prstGeom prst="rect">
+            <a:avLst/>
+          </a:prstGeom>
+          <a:noFill/>
+        </p:spPr>
+        <p:txBody>
+          <a:bodyPr vert="horz" wrap="square" bIns="36000" rtlCol="0">
+            <a:spAutoFit/>
+            <a:scene3d>
+              <a:camera prst="orthographicFront">
+                <a:rot lat="0" lon="0" rev="0"/>
+              </a:camera>
+              <a:lightRig rig="threePt" dir="t"/>
+            </a:scene3d>
+          </a:bodyPr>
+          <a:lstStyle/>
+          <a:p>
+            <a:pPr>
+              <a:lnSpc>
+                <a:spcPts val="2360"/>
+              </a:lnSpc>
+            </a:pPr>
+            <a:r>
+              <a:rPr lang="ru-RU" sz="2800" dirty="0">
+                <a:solidFill>
+                  <a:srgbClr val="00B050"/>
+                </a:solidFill>
+              </a:rPr>
+              <a:t>Ход</a:t>
+            </a:r>
+          </a:p>
+        </p:txBody>
+      </p:sp>
+      <p:cxnSp>
+        <p:nvCxnSpPr>
+          <p:cNvPr id="49" name="Соединитель: уступ 48">
+            <a:extLst>
+              <a:ext uri="{FF2B5EF4-FFF2-40B4-BE49-F238E27FC236}">
+                <a16:creationId xmlns:a16="http://schemas.microsoft.com/office/drawing/2014/main" id="{8DB7CE15-8F3F-4DCA-B20C-DEC8A274A2C9}"/>
+              </a:ext>
+            </a:extLst>
+          </p:cNvPr>
+          <p:cNvCxnSpPr>
+            <a:cxnSpLocks/>
+            <a:stCxn id="4" idx="3"/>
+            <a:endCxn id="16" idx="2"/>
+          </p:cNvCxnSpPr>
+          <p:nvPr/>
+        </p:nvCxnSpPr>
+        <p:spPr>
+          <a:xfrm flipV="1">
+            <a:off x="6812078" y="2318818"/>
+            <a:ext cx="4051277" cy="3152320"/>
+          </a:xfrm>
+          <a:prstGeom prst="bentConnector2">
+            <a:avLst/>
+          </a:prstGeom>
+          <a:ln w="57150">
+            <a:solidFill>
+              <a:schemeClr val="accent1"/>
+            </a:solidFill>
+            <a:tailEnd type="triangle"/>
+          </a:ln>
+        </p:spPr>
+        <p:style>
+          <a:lnRef idx="1">
+            <a:schemeClr val="accent1"/>
+          </a:lnRef>
+          <a:fillRef idx="0">
+            <a:schemeClr val="accent1"/>
+          </a:fillRef>
+          <a:effectRef idx="0">
+            <a:schemeClr val="accent1"/>
+          </a:effectRef>
+          <a:fontRef idx="minor">
+            <a:schemeClr val="tx1"/>
+          </a:fontRef>
+        </p:style>
+      </p:cxnSp>
+      <p:sp>
+        <p:nvSpPr>
+          <p:cNvPr id="52" name="TextBox 51">
+            <a:extLst>
+              <a:ext uri="{FF2B5EF4-FFF2-40B4-BE49-F238E27FC236}">
+                <a16:creationId xmlns:a16="http://schemas.microsoft.com/office/drawing/2014/main" id="{14E2B01C-25DE-4F12-ADEB-A4221E46F1F0}"/>
+              </a:ext>
+            </a:extLst>
+          </p:cNvPr>
+          <p:cNvSpPr txBox="1"/>
+          <p:nvPr/>
+        </p:nvSpPr>
+        <p:spPr>
+          <a:xfrm>
+            <a:off x="6812079" y="4903794"/>
+            <a:ext cx="3104082" cy="523220"/>
+          </a:xfrm>
+          <a:prstGeom prst="rect">
+            <a:avLst/>
+          </a:prstGeom>
+          <a:noFill/>
+        </p:spPr>
+        <p:txBody>
+          <a:bodyPr wrap="square" rtlCol="0">
+            <a:spAutoFit/>
+          </a:bodyPr>
+          <a:lstStyle/>
+          <a:p>
+            <a:r>
+              <a:rPr lang="ru-RU" sz="2800" dirty="0">
+                <a:solidFill>
+                  <a:schemeClr val="accent2">
+                    <a:lumMod val="75000"/>
+                  </a:schemeClr>
+                </a:solidFill>
+              </a:rPr>
+              <a:t>Поле </a:t>
+            </a:r>
+            <a:r>
+              <a:rPr lang="en-US" sz="2800" dirty="0">
+                <a:solidFill>
+                  <a:schemeClr val="accent2">
+                    <a:lumMod val="75000"/>
+                  </a:schemeClr>
+                </a:solidFill>
+              </a:rPr>
+              <a:t>| </a:t>
+            </a:r>
+            <a:r>
+              <a:rPr lang="ru-RU" sz="2800" dirty="0">
+                <a:solidFill>
+                  <a:schemeClr val="accent2">
+                    <a:lumMod val="75000"/>
+                  </a:schemeClr>
+                </a:solidFill>
+              </a:rPr>
+              <a:t>Статус Игры</a:t>
+            </a:r>
+          </a:p>
+        </p:txBody>
+      </p:sp>
+      <p:cxnSp>
+        <p:nvCxnSpPr>
+          <p:cNvPr id="53" name="Соединитель: уступ 52">
+            <a:extLst>
+              <a:ext uri="{FF2B5EF4-FFF2-40B4-BE49-F238E27FC236}">
+                <a16:creationId xmlns:a16="http://schemas.microsoft.com/office/drawing/2014/main" id="{8A03F5BE-C426-48B5-B168-3FD385C50C3A}"/>
+              </a:ext>
+            </a:extLst>
+          </p:cNvPr>
+          <p:cNvCxnSpPr>
+            <a:cxnSpLocks/>
+          </p:cNvCxnSpPr>
+          <p:nvPr/>
+        </p:nvCxnSpPr>
+        <p:spPr>
+          <a:xfrm rot="10800000" flipV="1">
+            <a:off x="6824786" y="2318818"/>
+            <a:ext cx="4574734" cy="3739526"/>
+          </a:xfrm>
+          <a:prstGeom prst="bentConnector3">
+            <a:avLst>
+              <a:gd name="adj1" fmla="val 30"/>
+            </a:avLst>
+          </a:prstGeom>
+          <a:ln w="57150">
+            <a:solidFill>
+              <a:schemeClr val="accent1"/>
+            </a:solidFill>
+            <a:tailEnd type="triangle"/>
+          </a:ln>
+        </p:spPr>
+        <p:style>
+          <a:lnRef idx="1">
+            <a:schemeClr val="accent1"/>
+          </a:lnRef>
+          <a:fillRef idx="0">
+            <a:schemeClr val="accent1"/>
+          </a:fillRef>
+          <a:effectRef idx="0">
+            <a:schemeClr val="accent1"/>
+          </a:effectRef>
+          <a:fontRef idx="minor">
+            <a:schemeClr val="tx1"/>
+          </a:fontRef>
+        </p:style>
+      </p:cxnSp>
+      <p:sp>
+        <p:nvSpPr>
+          <p:cNvPr id="59" name="TextBox 58">
+            <a:extLst>
+              <a:ext uri="{FF2B5EF4-FFF2-40B4-BE49-F238E27FC236}">
+                <a16:creationId xmlns:a16="http://schemas.microsoft.com/office/drawing/2014/main" id="{6339AC66-90EB-4543-9708-58ACE6269CE3}"/>
+              </a:ext>
+            </a:extLst>
+          </p:cNvPr>
+          <p:cNvSpPr txBox="1"/>
+          <p:nvPr/>
+        </p:nvSpPr>
+        <p:spPr>
+          <a:xfrm>
+            <a:off x="6824785" y="5503131"/>
+            <a:ext cx="2917752" cy="523220"/>
+          </a:xfrm>
+          <a:prstGeom prst="rect">
+            <a:avLst/>
+          </a:prstGeom>
+          <a:noFill/>
+        </p:spPr>
+        <p:txBody>
+          <a:bodyPr wrap="square" rtlCol="0">
+            <a:spAutoFit/>
+          </a:bodyPr>
+          <a:lstStyle/>
+          <a:p>
+            <a:r>
+              <a:rPr lang="ru-RU" sz="2800" dirty="0">
+                <a:solidFill>
+                  <a:schemeClr val="accent2">
+                    <a:lumMod val="75000"/>
+                  </a:schemeClr>
+                </a:solidFill>
+              </a:rPr>
+              <a:t>Настройки Игры</a:t>
+            </a:r>
+          </a:p>
+        </p:txBody>
+      </p:sp>
+      <p:sp>
+        <p:nvSpPr>
+          <p:cNvPr id="60" name="Овал 59">
+            <a:extLst>
+              <a:ext uri="{FF2B5EF4-FFF2-40B4-BE49-F238E27FC236}">
+                <a16:creationId xmlns:a16="http://schemas.microsoft.com/office/drawing/2014/main" id="{83B92665-2073-41E9-8A84-CD14EE3AE6A4}"/>
+              </a:ext>
+            </a:extLst>
+          </p:cNvPr>
+          <p:cNvSpPr>
+            <a:spLocks noChangeAspect="1"/>
+          </p:cNvSpPr>
+          <p:nvPr/>
+        </p:nvSpPr>
+        <p:spPr>
+          <a:xfrm>
+            <a:off x="9463259" y="5570768"/>
+            <a:ext cx="452902" cy="452902"/>
+          </a:xfrm>
+          <a:prstGeom prst="ellipse">
+            <a:avLst/>
+          </a:prstGeom>
+          <a:solidFill>
+            <a:schemeClr val="bg1"/>
+          </a:solidFill>
+          <a:ln>
+            <a:solidFill>
+              <a:srgbClr val="7030A0"/>
+            </a:solidFill>
+          </a:ln>
+        </p:spPr>
+        <p:style>
+          <a:lnRef idx="2">
+            <a:schemeClr val="accent1">
+              <a:shade val="50000"/>
+            </a:schemeClr>
+          </a:lnRef>
+          <a:fillRef idx="1">
+            <a:schemeClr val="accent1"/>
+          </a:fillRef>
+          <a:effectRef idx="0">
+            <a:schemeClr val="accent1"/>
+          </a:effectRef>
+          <a:fontRef idx="minor">
+            <a:schemeClr val="lt1"/>
+          </a:fontRef>
+        </p:style>
+        <p:txBody>
+          <a:bodyPr rtlCol="0" anchor="ctr"/>
+          <a:lstStyle/>
+          <a:p>
+            <a:pPr algn="ctr"/>
+            <a:r>
+              <a:rPr lang="ru-RU" sz="3200" dirty="0">
+                <a:solidFill>
+                  <a:schemeClr val="tx1"/>
+                </a:solidFill>
+              </a:rPr>
+              <a:t>1</a:t>
+            </a:r>
+          </a:p>
+        </p:txBody>
+      </p:sp>
+      <p:sp>
+        <p:nvSpPr>
+          <p:cNvPr id="61" name="Овал 60">
+            <a:extLst>
+              <a:ext uri="{FF2B5EF4-FFF2-40B4-BE49-F238E27FC236}">
+                <a16:creationId xmlns:a16="http://schemas.microsoft.com/office/drawing/2014/main" id="{14CBE9A5-3698-4911-8D9F-8A35D8DF8F67}"/>
+              </a:ext>
+            </a:extLst>
+          </p:cNvPr>
+          <p:cNvSpPr>
+            <a:spLocks noChangeAspect="1"/>
+          </p:cNvSpPr>
+          <p:nvPr/>
+        </p:nvSpPr>
+        <p:spPr>
+          <a:xfrm>
+            <a:off x="636162" y="5602311"/>
+            <a:ext cx="452902" cy="452902"/>
+          </a:xfrm>
+          <a:prstGeom prst="ellipse">
+            <a:avLst/>
+          </a:prstGeom>
+          <a:solidFill>
+            <a:schemeClr val="bg1"/>
+          </a:solidFill>
+          <a:ln>
+            <a:solidFill>
+              <a:srgbClr val="7030A0"/>
+            </a:solidFill>
+          </a:ln>
+        </p:spPr>
+        <p:style>
+          <a:lnRef idx="2">
+            <a:schemeClr val="accent1">
+              <a:shade val="50000"/>
+            </a:schemeClr>
+          </a:lnRef>
+          <a:fillRef idx="1">
+            <a:schemeClr val="accent1"/>
+          </a:fillRef>
+          <a:effectRef idx="0">
+            <a:schemeClr val="accent1"/>
+          </a:effectRef>
+          <a:fontRef idx="minor">
+            <a:schemeClr val="lt1"/>
+          </a:fontRef>
+        </p:style>
+        <p:txBody>
+          <a:bodyPr rtlCol="0" anchor="ctr"/>
+          <a:lstStyle/>
+          <a:p>
+            <a:pPr algn="ctr"/>
+            <a:r>
+              <a:rPr lang="ru-RU" sz="3200" dirty="0">
+                <a:solidFill>
+                  <a:schemeClr val="tx1"/>
+                </a:solidFill>
+              </a:rPr>
+              <a:t>2</a:t>
+            </a:r>
+          </a:p>
+        </p:txBody>
+      </p:sp>
+      <p:sp>
+        <p:nvSpPr>
+          <p:cNvPr id="62" name="Овал 61">
+            <a:extLst>
+              <a:ext uri="{FF2B5EF4-FFF2-40B4-BE49-F238E27FC236}">
+                <a16:creationId xmlns:a16="http://schemas.microsoft.com/office/drawing/2014/main" id="{4C885867-1A2C-43A6-A437-A36348E7E856}"/>
+              </a:ext>
+            </a:extLst>
+          </p:cNvPr>
+          <p:cNvSpPr>
+            <a:spLocks noChangeAspect="1"/>
+          </p:cNvSpPr>
+          <p:nvPr/>
+        </p:nvSpPr>
+        <p:spPr>
+          <a:xfrm>
+            <a:off x="658377" y="4982071"/>
+            <a:ext cx="452902" cy="452902"/>
+          </a:xfrm>
+          <a:prstGeom prst="ellipse">
+            <a:avLst/>
+          </a:prstGeom>
+          <a:solidFill>
+            <a:schemeClr val="bg1"/>
+          </a:solidFill>
+          <a:ln>
+            <a:solidFill>
+              <a:srgbClr val="7030A0"/>
+            </a:solidFill>
+          </a:ln>
+        </p:spPr>
+        <p:style>
+          <a:lnRef idx="2">
+            <a:schemeClr val="accent1">
+              <a:shade val="50000"/>
+            </a:schemeClr>
+          </a:lnRef>
+          <a:fillRef idx="1">
+            <a:schemeClr val="accent1"/>
+          </a:fillRef>
+          <a:effectRef idx="0">
+            <a:schemeClr val="accent1"/>
+          </a:effectRef>
+          <a:fontRef idx="minor">
+            <a:schemeClr val="lt1"/>
+          </a:fontRef>
+        </p:style>
+        <p:txBody>
+          <a:bodyPr rtlCol="0" anchor="ctr"/>
+          <a:lstStyle/>
+          <a:p>
+            <a:pPr algn="ctr"/>
+            <a:r>
+              <a:rPr lang="ru-RU" sz="3200" dirty="0">
+                <a:solidFill>
+                  <a:schemeClr val="tx1"/>
+                </a:solidFill>
+              </a:rPr>
+              <a:t>3</a:t>
+            </a:r>
+          </a:p>
+        </p:txBody>
+      </p:sp>
+      <p:sp>
+        <p:nvSpPr>
+          <p:cNvPr id="63" name="Овал 62">
+            <a:extLst>
+              <a:ext uri="{FF2B5EF4-FFF2-40B4-BE49-F238E27FC236}">
+                <a16:creationId xmlns:a16="http://schemas.microsoft.com/office/drawing/2014/main" id="{75F1FAD4-C73D-4D45-857E-ECDF2EAFEA1E}"/>
+              </a:ext>
+            </a:extLst>
+          </p:cNvPr>
+          <p:cNvSpPr>
+            <a:spLocks noChangeAspect="1"/>
+          </p:cNvSpPr>
+          <p:nvPr/>
+        </p:nvSpPr>
+        <p:spPr>
+          <a:xfrm>
+            <a:off x="4153154" y="2941375"/>
+            <a:ext cx="452902" cy="452902"/>
+          </a:xfrm>
+          <a:prstGeom prst="ellipse">
+            <a:avLst/>
+          </a:prstGeom>
+          <a:solidFill>
+            <a:schemeClr val="bg1"/>
+          </a:solidFill>
+          <a:ln>
+            <a:solidFill>
+              <a:srgbClr val="7030A0"/>
+            </a:solidFill>
+          </a:ln>
+        </p:spPr>
+        <p:style>
+          <a:lnRef idx="2">
+            <a:schemeClr val="accent1">
+              <a:shade val="50000"/>
+            </a:schemeClr>
+          </a:lnRef>
+          <a:fillRef idx="1">
+            <a:schemeClr val="accent1"/>
+          </a:fillRef>
+          <a:effectRef idx="0">
+            <a:schemeClr val="accent1"/>
+          </a:effectRef>
+          <a:fontRef idx="minor">
+            <a:schemeClr val="lt1"/>
+          </a:fontRef>
+        </p:style>
+        <p:txBody>
+          <a:bodyPr rtlCol="0" anchor="ctr"/>
+          <a:lstStyle/>
+          <a:p>
+            <a:pPr algn="ctr"/>
+            <a:r>
+              <a:rPr lang="ru-RU" sz="3200" dirty="0">
+                <a:solidFill>
+                  <a:schemeClr val="tx1"/>
+                </a:solidFill>
+              </a:rPr>
+              <a:t>4</a:t>
+            </a:r>
+          </a:p>
+        </p:txBody>
+      </p:sp>
+      <p:sp>
+        <p:nvSpPr>
+          <p:cNvPr id="64" name="Овал 63">
+            <a:extLst>
+              <a:ext uri="{FF2B5EF4-FFF2-40B4-BE49-F238E27FC236}">
+                <a16:creationId xmlns:a16="http://schemas.microsoft.com/office/drawing/2014/main" id="{2572208E-EB18-43EA-8ED3-7D2519ADDA74}"/>
+              </a:ext>
+            </a:extLst>
+          </p:cNvPr>
+          <p:cNvSpPr>
+            <a:spLocks noChangeAspect="1"/>
+          </p:cNvSpPr>
+          <p:nvPr/>
+        </p:nvSpPr>
+        <p:spPr>
+          <a:xfrm>
+            <a:off x="6230840" y="3623426"/>
+            <a:ext cx="467368" cy="467368"/>
+          </a:xfrm>
+          <a:prstGeom prst="ellipse">
+            <a:avLst/>
+          </a:prstGeom>
+          <a:solidFill>
+            <a:schemeClr val="bg1"/>
+          </a:solidFill>
+          <a:ln>
+            <a:solidFill>
+              <a:srgbClr val="7030A0"/>
+            </a:solidFill>
+          </a:ln>
+        </p:spPr>
+        <p:style>
+          <a:lnRef idx="2">
+            <a:schemeClr val="accent1">
+              <a:shade val="50000"/>
+            </a:schemeClr>
+          </a:lnRef>
+          <a:fillRef idx="1">
+            <a:schemeClr val="accent1"/>
+          </a:fillRef>
+          <a:effectRef idx="0">
+            <a:schemeClr val="accent1"/>
+          </a:effectRef>
+          <a:fontRef idx="minor">
+            <a:schemeClr val="lt1"/>
+          </a:fontRef>
+        </p:style>
+        <p:txBody>
+          <a:bodyPr rtlCol="0" anchor="ctr"/>
+          <a:lstStyle/>
+          <a:p>
+            <a:pPr algn="ctr"/>
+            <a:r>
+              <a:rPr lang="en-US" sz="3200" dirty="0">
+                <a:solidFill>
+                  <a:schemeClr val="tx1"/>
+                </a:solidFill>
+              </a:rPr>
+              <a:t>5</a:t>
+            </a:r>
+            <a:endParaRPr lang="ru-RU" sz="3200" dirty="0">
+              <a:solidFill>
+                <a:schemeClr val="tx1"/>
+              </a:solidFill>
+            </a:endParaRPr>
+          </a:p>
+        </p:txBody>
+      </p:sp>
+      <p:sp>
+        <p:nvSpPr>
+          <p:cNvPr id="65" name="Овал 64">
+            <a:extLst>
+              <a:ext uri="{FF2B5EF4-FFF2-40B4-BE49-F238E27FC236}">
+                <a16:creationId xmlns:a16="http://schemas.microsoft.com/office/drawing/2014/main" id="{6CE371CF-E54D-424C-9E3B-A871D0620809}"/>
+              </a:ext>
+            </a:extLst>
+          </p:cNvPr>
+          <p:cNvSpPr>
+            <a:spLocks noChangeAspect="1"/>
+          </p:cNvSpPr>
+          <p:nvPr/>
+        </p:nvSpPr>
+        <p:spPr>
+          <a:xfrm>
+            <a:off x="1524252" y="4399864"/>
+            <a:ext cx="452902" cy="452902"/>
+          </a:xfrm>
+          <a:prstGeom prst="ellipse">
+            <a:avLst/>
+          </a:prstGeom>
+          <a:solidFill>
+            <a:schemeClr val="bg1"/>
+          </a:solidFill>
+          <a:ln>
+            <a:solidFill>
+              <a:srgbClr val="7030A0"/>
+            </a:solidFill>
+          </a:ln>
+        </p:spPr>
+        <p:style>
+          <a:lnRef idx="2">
+            <a:schemeClr val="accent1">
+              <a:shade val="50000"/>
+            </a:schemeClr>
+          </a:lnRef>
+          <a:fillRef idx="1">
+            <a:schemeClr val="accent1"/>
+          </a:fillRef>
+          <a:effectRef idx="0">
+            <a:schemeClr val="accent1"/>
+          </a:effectRef>
+          <a:fontRef idx="minor">
+            <a:schemeClr val="lt1"/>
+          </a:fontRef>
+        </p:style>
+        <p:txBody>
+          <a:bodyPr rtlCol="0" anchor="ctr"/>
+          <a:lstStyle/>
+          <a:p>
+            <a:pPr algn="ctr"/>
+            <a:r>
+              <a:rPr lang="en-US" sz="3200" dirty="0">
+                <a:solidFill>
+                  <a:schemeClr val="tx1"/>
+                </a:solidFill>
+              </a:rPr>
+              <a:t>6</a:t>
+            </a:r>
+            <a:endParaRPr lang="ru-RU" sz="3200" dirty="0">
+              <a:solidFill>
+                <a:schemeClr val="tx1"/>
+              </a:solidFill>
+            </a:endParaRPr>
+          </a:p>
+        </p:txBody>
+      </p:sp>
+      <p:cxnSp>
+        <p:nvCxnSpPr>
+          <p:cNvPr id="66" name="Соединитель: уступ 65">
+            <a:extLst>
+              <a:ext uri="{FF2B5EF4-FFF2-40B4-BE49-F238E27FC236}">
+                <a16:creationId xmlns:a16="http://schemas.microsoft.com/office/drawing/2014/main" id="{3D691D97-E1EE-4815-954B-841BD774CBE4}"/>
+              </a:ext>
+            </a:extLst>
+          </p:cNvPr>
+          <p:cNvCxnSpPr>
+            <a:cxnSpLocks/>
+            <a:endCxn id="6" idx="2"/>
+          </p:cNvCxnSpPr>
+          <p:nvPr/>
+        </p:nvCxnSpPr>
+        <p:spPr>
+          <a:xfrm rot="10800000">
+            <a:off x="1310804" y="2243086"/>
+            <a:ext cx="2912903" cy="2660709"/>
+          </a:xfrm>
+          <a:prstGeom prst="bentConnector2">
+            <a:avLst/>
+          </a:prstGeom>
+          <a:ln w="57150">
+            <a:solidFill>
+              <a:schemeClr val="accent1"/>
+            </a:solidFill>
+            <a:tailEnd type="triangle"/>
+          </a:ln>
+        </p:spPr>
+        <p:style>
+          <a:lnRef idx="1">
+            <a:schemeClr val="accent1"/>
+          </a:lnRef>
+          <a:fillRef idx="0">
+            <a:schemeClr val="accent1"/>
+          </a:fillRef>
+          <a:effectRef idx="0">
+            <a:schemeClr val="accent1"/>
+          </a:effectRef>
+          <a:fontRef idx="minor">
+            <a:schemeClr val="tx1"/>
+          </a:fontRef>
+        </p:style>
+      </p:cxnSp>
+      <p:sp>
+        <p:nvSpPr>
+          <p:cNvPr id="69" name="TextBox 68">
+            <a:extLst>
+              <a:ext uri="{FF2B5EF4-FFF2-40B4-BE49-F238E27FC236}">
+                <a16:creationId xmlns:a16="http://schemas.microsoft.com/office/drawing/2014/main" id="{EDC40F92-0A77-45DC-A584-2A8BDFB58CAA}"/>
+              </a:ext>
+            </a:extLst>
+          </p:cNvPr>
+          <p:cNvSpPr txBox="1"/>
+          <p:nvPr/>
+        </p:nvSpPr>
+        <p:spPr>
+          <a:xfrm>
+            <a:off x="2059420" y="4405089"/>
+            <a:ext cx="1587809" cy="523220"/>
+          </a:xfrm>
+          <a:prstGeom prst="rect">
+            <a:avLst/>
+          </a:prstGeom>
+          <a:noFill/>
+        </p:spPr>
+        <p:txBody>
+          <a:bodyPr wrap="square" rtlCol="0">
+            <a:spAutoFit/>
+          </a:bodyPr>
+          <a:lstStyle/>
+          <a:p>
+            <a:r>
+              <a:rPr lang="ru-RU" sz="2800" dirty="0">
+                <a:solidFill>
+                  <a:schemeClr val="accent2">
+                    <a:lumMod val="75000"/>
+                  </a:schemeClr>
+                </a:solidFill>
+              </a:rPr>
+              <a:t>Ход Бота</a:t>
+            </a:r>
+          </a:p>
+        </p:txBody>
+      </p:sp>
+      <p:sp>
+        <p:nvSpPr>
+          <p:cNvPr id="73" name="Овал 72">
+            <a:extLst>
+              <a:ext uri="{FF2B5EF4-FFF2-40B4-BE49-F238E27FC236}">
+                <a16:creationId xmlns:a16="http://schemas.microsoft.com/office/drawing/2014/main" id="{15C95894-A8EC-4E6D-BBB1-D3C7B636FD3E}"/>
+              </a:ext>
+            </a:extLst>
+          </p:cNvPr>
+          <p:cNvSpPr>
+            <a:spLocks noChangeAspect="1"/>
+          </p:cNvSpPr>
+          <p:nvPr/>
+        </p:nvSpPr>
+        <p:spPr>
+          <a:xfrm>
+            <a:off x="9911457" y="4938953"/>
+            <a:ext cx="452902" cy="452902"/>
+          </a:xfrm>
+          <a:prstGeom prst="ellipse">
+            <a:avLst/>
+          </a:prstGeom>
+          <a:solidFill>
+            <a:schemeClr val="bg1"/>
+          </a:solidFill>
+          <a:ln>
+            <a:solidFill>
+              <a:srgbClr val="7030A0"/>
+            </a:solidFill>
+          </a:ln>
+        </p:spPr>
+        <p:style>
+          <a:lnRef idx="2">
+            <a:schemeClr val="accent1">
+              <a:shade val="50000"/>
+            </a:schemeClr>
+          </a:lnRef>
+          <a:fillRef idx="1">
+            <a:schemeClr val="accent1"/>
+          </a:fillRef>
+          <a:effectRef idx="0">
+            <a:schemeClr val="accent1"/>
+          </a:effectRef>
+          <a:fontRef idx="minor">
+            <a:schemeClr val="lt1"/>
+          </a:fontRef>
+        </p:style>
+        <p:txBody>
+          <a:bodyPr rtlCol="0" anchor="ctr"/>
+          <a:lstStyle/>
+          <a:p>
+            <a:pPr algn="ctr"/>
+            <a:r>
+              <a:rPr lang="ru-RU" sz="3200" dirty="0">
+                <a:solidFill>
+                  <a:schemeClr val="tx1"/>
+                </a:solidFill>
+              </a:rPr>
+              <a:t>7</a:t>
+            </a:r>
+          </a:p>
+        </p:txBody>
+      </p:sp>
+      <p:cxnSp>
+        <p:nvCxnSpPr>
+          <p:cNvPr id="76" name="Соединитель: уступ 75">
+            <a:extLst>
+              <a:ext uri="{FF2B5EF4-FFF2-40B4-BE49-F238E27FC236}">
+                <a16:creationId xmlns:a16="http://schemas.microsoft.com/office/drawing/2014/main" id="{F0B8930E-369E-4A24-885B-8F441BCAF028}"/>
+              </a:ext>
+            </a:extLst>
+          </p:cNvPr>
+          <p:cNvCxnSpPr>
+            <a:cxnSpLocks/>
+            <a:stCxn id="65" idx="2"/>
+            <a:endCxn id="62" idx="0"/>
+          </p:cNvCxnSpPr>
+          <p:nvPr/>
+        </p:nvCxnSpPr>
+        <p:spPr>
+          <a:xfrm rot="10800000" flipV="1">
+            <a:off x="884828" y="4626315"/>
+            <a:ext cx="639424" cy="355756"/>
+          </a:xfrm>
+          <a:prstGeom prst="bentConnector2">
+            <a:avLst/>
+          </a:prstGeom>
+          <a:ln w="38100">
+            <a:solidFill>
+              <a:srgbClr val="7030A0"/>
+            </a:solidFill>
+            <a:tailEnd type="triangle"/>
+          </a:ln>
+        </p:spPr>
+        <p:style>
+          <a:lnRef idx="1">
+            <a:schemeClr val="accent1"/>
+          </a:lnRef>
+          <a:fillRef idx="0">
+            <a:schemeClr val="accent1"/>
+          </a:fillRef>
+          <a:effectRef idx="0">
+            <a:schemeClr val="accent1"/>
+          </a:effectRef>
+          <a:fontRef idx="minor">
+            <a:schemeClr val="tx1"/>
+          </a:fontRef>
+        </p:style>
+      </p:cxnSp>
     </p:spTree>
     <p:extLst>
       <p:ext uri="{BB962C8B-B14F-4D97-AF65-F5344CB8AC3E}">
-        <p14:creationId xmlns:p14="http://schemas.microsoft.com/office/powerpoint/2010/main" val="3714488132"/>
+        <p14:creationId xmlns:p14="http://schemas.microsoft.com/office/powerpoint/2010/main" val="831779919"/>
       </p:ext>
     </p:extLst>
   </p:cSld>
@@ -4494,10 +5868,10 @@
       </p:grpSpPr>
       <p:sp>
         <p:nvSpPr>
-          <p:cNvPr id="4" name="Заголовок 3">
+          <p:cNvPr id="2" name="Заголовок 1">
             <a:extLst>
               <a:ext uri="{FF2B5EF4-FFF2-40B4-BE49-F238E27FC236}">
-                <a16:creationId xmlns:a16="http://schemas.microsoft.com/office/drawing/2014/main" id="{E15CB48A-1C59-47AF-9D00-949C8460CC7D}"/>
+                <a16:creationId xmlns:a16="http://schemas.microsoft.com/office/drawing/2014/main" id="{9400DF42-B3AB-434D-B068-13896FA0AFAE}"/>
               </a:ext>
             </a:extLst>
           </p:cNvPr>
@@ -4508,134 +5882,24 @@
             <p:ph type="title"/>
           </p:nvPr>
         </p:nvSpPr>
-        <p:spPr>
-          <a:xfrm>
-            <a:off x="457200" y="594359"/>
-            <a:ext cx="3200400" cy="807721"/>
-          </a:xfrm>
-        </p:spPr>
-        <p:txBody>
-          <a:bodyPr>
-            <a:normAutofit/>
-          </a:bodyPr>
-          <a:lstStyle/>
-          <a:p>
-            <a:r>
-              <a:rPr lang="ru-RU" sz="4400" dirty="0"/>
-              <a:t>Подготовка</a:t>
-            </a:r>
-          </a:p>
-        </p:txBody>
-      </p:sp>
-      <p:sp>
-        <p:nvSpPr>
-          <p:cNvPr id="6" name="Текст 5">
+        <p:spPr/>
+        <p:txBody>
+          <a:bodyPr/>
+          <a:lstStyle/>
+          <a:p>
+            <a:r>
+              <a:rPr lang="ru-RU" dirty="0"/>
+              <a:t>Р</a:t>
+            </a:r>
+          </a:p>
+        </p:txBody>
+      </p:sp>
+      <p:pic>
+        <p:nvPicPr>
+          <p:cNvPr id="6" name="Объект 5">
             <a:extLst>
               <a:ext uri="{FF2B5EF4-FFF2-40B4-BE49-F238E27FC236}">
-                <a16:creationId xmlns:a16="http://schemas.microsoft.com/office/drawing/2014/main" id="{9876465D-A81E-4967-BEA9-F76C78886775}"/>
-              </a:ext>
-            </a:extLst>
-          </p:cNvPr>
-          <p:cNvSpPr>
-            <a:spLocks noGrp="1"/>
-          </p:cNvSpPr>
-          <p:nvPr>
-            <p:ph type="body" sz="half" idx="2"/>
-          </p:nvPr>
-        </p:nvSpPr>
-        <p:spPr>
-          <a:xfrm>
-            <a:off x="457199" y="1402080"/>
-            <a:ext cx="3331029" cy="4903124"/>
-          </a:xfrm>
-        </p:spPr>
-        <p:txBody>
-          <a:bodyPr>
-            <a:normAutofit/>
-          </a:bodyPr>
-          <a:lstStyle/>
-          <a:p>
-            <a:pPr marL="514350" indent="-514350">
-              <a:buClr>
-                <a:schemeClr val="bg1"/>
-              </a:buClr>
-              <a:buAutoNum type="arabicPeriod"/>
-            </a:pPr>
-            <a:r>
-              <a:rPr lang="ru-RU" sz="2800" dirty="0">
-                <a:solidFill>
-                  <a:schemeClr val="bg1"/>
-                </a:solidFill>
-              </a:rPr>
-              <a:t>Выбор игры</a:t>
-            </a:r>
-          </a:p>
-          <a:p>
-            <a:pPr marL="514350" indent="-514350">
-              <a:buClr>
-                <a:schemeClr val="bg1"/>
-              </a:buClr>
-              <a:buAutoNum type="arabicPeriod"/>
-            </a:pPr>
-            <a:r>
-              <a:rPr lang="ru-RU" sz="2800" dirty="0">
-                <a:solidFill>
-                  <a:schemeClr val="bg1"/>
-                </a:solidFill>
-              </a:rPr>
-              <a:t>Выбор ботов</a:t>
-            </a:r>
-          </a:p>
-          <a:p>
-            <a:pPr marL="514350" indent="-514350">
-              <a:buClr>
-                <a:schemeClr val="bg1"/>
-              </a:buClr>
-              <a:buAutoNum type="arabicPeriod"/>
-            </a:pPr>
-            <a:r>
-              <a:rPr lang="ru-RU" sz="2800" dirty="0">
-                <a:solidFill>
-                  <a:schemeClr val="bg1"/>
-                </a:solidFill>
-              </a:rPr>
-              <a:t>Настройка игры</a:t>
-            </a:r>
-          </a:p>
-          <a:p>
-            <a:pPr marL="514350" indent="-514350">
-              <a:buClr>
-                <a:schemeClr val="bg1"/>
-              </a:buClr>
-              <a:buAutoNum type="arabicPeriod"/>
-            </a:pPr>
-            <a:r>
-              <a:rPr lang="ru-RU" sz="2800" dirty="0">
-                <a:solidFill>
-                  <a:schemeClr val="bg1"/>
-                </a:solidFill>
-              </a:rPr>
-              <a:t>Запуск</a:t>
-            </a:r>
-          </a:p>
-          <a:p>
-            <a:pPr marL="514350" indent="-514350">
-              <a:buAutoNum type="arabicPeriod"/>
-            </a:pPr>
-            <a:endParaRPr lang="ru-RU" sz="2800" dirty="0">
-              <a:solidFill>
-                <a:schemeClr val="bg1"/>
-              </a:solidFill>
-            </a:endParaRPr>
-          </a:p>
-        </p:txBody>
-      </p:sp>
-      <p:pic>
-        <p:nvPicPr>
-          <p:cNvPr id="12" name="Объект 11">
-            <a:extLst>
-              <a:ext uri="{FF2B5EF4-FFF2-40B4-BE49-F238E27FC236}">
-                <a16:creationId xmlns:a16="http://schemas.microsoft.com/office/drawing/2014/main" id="{D19DD7DB-7D0C-406F-99EF-E0D3C72E2536}"/>
+                <a16:creationId xmlns:a16="http://schemas.microsoft.com/office/drawing/2014/main" id="{20F3F5A1-5C98-47F4-84A5-57ECEC90B00F}"/>
               </a:ext>
             </a:extLst>
           </p:cNvPr>
@@ -4654,30 +5918,40 @@
         </p:blipFill>
         <p:spPr>
           <a:xfrm>
-            <a:off x="5571377" y="282184"/>
-            <a:ext cx="4873883" cy="6293631"/>
-          </a:xfrm>
-          <a:prstGeom prst="rect">
-            <a:avLst/>
-          </a:prstGeom>
-          <a:ln w="88900" cap="sq" cmpd="thickThin">
-            <a:solidFill>
-              <a:srgbClr val="000000"/>
-            </a:solidFill>
-            <a:prstDash val="solid"/>
-            <a:miter lim="800000"/>
-          </a:ln>
-          <a:effectLst>
-            <a:innerShdw blurRad="76200">
-              <a:srgbClr val="000000"/>
-            </a:innerShdw>
-          </a:effectLst>
+            <a:off x="0" y="0"/>
+            <a:ext cx="12192000" cy="6858000"/>
+          </a:xfrm>
         </p:spPr>
       </p:pic>
+      <p:sp>
+        <p:nvSpPr>
+          <p:cNvPr id="4" name="Текст 3">
+            <a:extLst>
+              <a:ext uri="{FF2B5EF4-FFF2-40B4-BE49-F238E27FC236}">
+                <a16:creationId xmlns:a16="http://schemas.microsoft.com/office/drawing/2014/main" id="{F07CF676-9587-4E26-9838-7B5DD5CD6359}"/>
+              </a:ext>
+            </a:extLst>
+          </p:cNvPr>
+          <p:cNvSpPr>
+            <a:spLocks noGrp="1"/>
+          </p:cNvSpPr>
+          <p:nvPr>
+            <p:ph type="body" sz="half" idx="2"/>
+          </p:nvPr>
+        </p:nvSpPr>
+        <p:spPr/>
+        <p:txBody>
+          <a:bodyPr/>
+          <a:lstStyle/>
+          <a:p>
+            <a:endParaRPr lang="ru-RU"/>
+          </a:p>
+        </p:txBody>
+      </p:sp>
     </p:spTree>
     <p:extLst>
       <p:ext uri="{BB962C8B-B14F-4D97-AF65-F5344CB8AC3E}">
-        <p14:creationId xmlns:p14="http://schemas.microsoft.com/office/powerpoint/2010/main" val="2631979602"/>
+        <p14:creationId xmlns:p14="http://schemas.microsoft.com/office/powerpoint/2010/main" val="3714488132"/>
       </p:ext>
     </p:extLst>
   </p:cSld>
@@ -4734,7 +6008,7 @@
           <a:p>
             <a:r>
               <a:rPr lang="ru-RU" sz="4400" dirty="0"/>
-              <a:t>Турнир</a:t>
+              <a:t>Подготовка</a:t>
             </a:r>
           </a:p>
         </p:txBody>
@@ -4779,7 +6053,7 @@
                   <a:schemeClr val="bg1"/>
                 </a:solidFill>
               </a:rPr>
-              <a:t>Отмена</a:t>
+              <a:t>Выбор игры</a:t>
             </a:r>
           </a:p>
           <a:p>
@@ -4795,23 +6069,7 @@
                   <a:schemeClr val="bg1"/>
                 </a:solidFill>
               </a:rPr>
-              <a:t>Старт</a:t>
-            </a:r>
-            <a:r>
-              <a:rPr lang="en-US" sz="2800" dirty="0">
-                <a:solidFill>
-                  <a:schemeClr val="bg1"/>
-                </a:solidFill>
-              </a:rPr>
-              <a:t>/</a:t>
-            </a:r>
-            <a:r>
-              <a:rPr lang="ru-RU" sz="2800" dirty="0">
-                <a:solidFill>
-                  <a:schemeClr val="bg1"/>
-                </a:solidFill>
-              </a:rPr>
-              <a:t>Стоп</a:t>
+              <a:t>Выбор ботов</a:t>
             </a:r>
           </a:p>
           <a:p>
@@ -4827,7 +6085,7 @@
                   <a:schemeClr val="bg1"/>
                 </a:solidFill>
               </a:rPr>
-              <a:t>Скорость игры</a:t>
+              <a:t>Настройка игры</a:t>
             </a:r>
           </a:p>
           <a:p>
@@ -4843,21 +6101,8 @@
                   <a:schemeClr val="bg1"/>
                 </a:solidFill>
               </a:rPr>
-              <a:t>Вывод игры</a:t>
-            </a:r>
-          </a:p>
-          <a:p>
-            <a:pPr marL="514350" indent="-514350">
-              <a:buClr>
-                <a:schemeClr val="bg1"/>
-              </a:buClr>
-              <a:buAutoNum type="arabicPeriod"/>
-            </a:pPr>
-            <a:endParaRPr lang="ru-RU" sz="2800" dirty="0">
-              <a:solidFill>
-                <a:schemeClr val="bg1"/>
-              </a:solidFill>
-            </a:endParaRPr>
+              <a:t>Запуск</a:t>
+            </a:r>
           </a:p>
           <a:p>
             <a:pPr marL="514350" indent="-514350">
@@ -4873,10 +6118,10 @@
       </p:sp>
       <p:pic>
         <p:nvPicPr>
-          <p:cNvPr id="10" name="Объект 9">
+          <p:cNvPr id="12" name="Объект 11">
             <a:extLst>
               <a:ext uri="{FF2B5EF4-FFF2-40B4-BE49-F238E27FC236}">
-                <a16:creationId xmlns:a16="http://schemas.microsoft.com/office/drawing/2014/main" id="{E20BD86A-5F46-4284-B9CA-9163F8760A7D}"/>
+                <a16:creationId xmlns:a16="http://schemas.microsoft.com/office/drawing/2014/main" id="{D19DD7DB-7D0C-406F-99EF-E0D3C72E2536}"/>
               </a:ext>
             </a:extLst>
           </p:cNvPr>
@@ -4895,8 +6140,8 @@
         </p:blipFill>
         <p:spPr>
           <a:xfrm>
-            <a:off x="4950557" y="349933"/>
-            <a:ext cx="6326618" cy="6158134"/>
+            <a:off x="5571377" y="282184"/>
+            <a:ext cx="4873883" cy="6293631"/>
           </a:xfrm>
           <a:prstGeom prst="rect">
             <a:avLst/>
@@ -4918,7 +6163,7 @@
     </p:spTree>
     <p:extLst>
       <p:ext uri="{BB962C8B-B14F-4D97-AF65-F5344CB8AC3E}">
-        <p14:creationId xmlns:p14="http://schemas.microsoft.com/office/powerpoint/2010/main" val="1475237318"/>
+        <p14:creationId xmlns:p14="http://schemas.microsoft.com/office/powerpoint/2010/main" val="2631979602"/>
       </p:ext>
     </p:extLst>
   </p:cSld>
@@ -4975,7 +6220,7 @@
           <a:p>
             <a:r>
               <a:rPr lang="ru-RU" sz="4400" dirty="0"/>
-              <a:t>Результаты</a:t>
+              <a:t>Турнир</a:t>
             </a:r>
           </a:p>
         </p:txBody>
@@ -5020,7 +6265,7 @@
                   <a:schemeClr val="bg1"/>
                 </a:solidFill>
               </a:rPr>
-              <a:t>Кнопка Назад</a:t>
+              <a:t>Отмена</a:t>
             </a:r>
           </a:p>
           <a:p>
@@ -5036,7 +6281,23 @@
                   <a:schemeClr val="bg1"/>
                 </a:solidFill>
               </a:rPr>
-              <a:t>Турнирная Таблица</a:t>
+              <a:t>Старт</a:t>
+            </a:r>
+            <a:r>
+              <a:rPr lang="en-US" sz="2800" dirty="0">
+                <a:solidFill>
+                  <a:schemeClr val="bg1"/>
+                </a:solidFill>
+              </a:rPr>
+              <a:t>/</a:t>
+            </a:r>
+            <a:r>
+              <a:rPr lang="ru-RU" sz="2800" dirty="0">
+                <a:solidFill>
+                  <a:schemeClr val="bg1"/>
+                </a:solidFill>
+              </a:rPr>
+              <a:t>Стоп</a:t>
             </a:r>
           </a:p>
           <a:p>
@@ -5052,17 +6313,56 @@
                   <a:schemeClr val="bg1"/>
                 </a:solidFill>
               </a:rPr>
-              <a:t>Расшифровка таблицы текстом</a:t>
-            </a:r>
+              <a:t>Скорость игры</a:t>
+            </a:r>
+          </a:p>
+          <a:p>
+            <a:pPr marL="514350" indent="-514350">
+              <a:buClr>
+                <a:schemeClr val="bg1"/>
+              </a:buClr>
+              <a:buAutoNum type="arabicPeriod"/>
+            </a:pPr>
+            <a:r>
+              <a:rPr lang="ru-RU" sz="2800" dirty="0">
+                <a:solidFill>
+                  <a:schemeClr val="bg1"/>
+                </a:solidFill>
+              </a:rPr>
+              <a:t>Вывод игры</a:t>
+            </a:r>
+          </a:p>
+          <a:p>
+            <a:pPr marL="514350" indent="-514350">
+              <a:buClr>
+                <a:schemeClr val="bg1"/>
+              </a:buClr>
+              <a:buAutoNum type="arabicPeriod"/>
+            </a:pPr>
+            <a:endParaRPr lang="ru-RU" sz="2800" dirty="0">
+              <a:solidFill>
+                <a:schemeClr val="bg1"/>
+              </a:solidFill>
+            </a:endParaRPr>
+          </a:p>
+          <a:p>
+            <a:pPr marL="514350" indent="-514350">
+              <a:buAutoNum type="arabicPeriod"/>
+            </a:pPr>
+            <a:endParaRPr lang="ru-RU" sz="2800" dirty="0">
+              <a:solidFill>
+                <a:schemeClr val="bg1"/>
+              </a:solidFill>
+            </a:endParaRPr>
           </a:p>
         </p:txBody>
       </p:sp>
       <p:pic>
         <p:nvPicPr>
-          <p:cNvPr id="14" name="Объект 13">
+          <p:cNvPr id="10" name="Объект 9">
             <a:extLst>
               <a:ext uri="{FF2B5EF4-FFF2-40B4-BE49-F238E27FC236}">
-                <a16:creationId xmlns:a16="http://schemas.microsoft.com/office/drawing/2014/main" id="{4296239D-FFE9-435F-9D9A-AEA71EF39BF5}"/>
+                <a16:creationId xmlns:a16="http://schemas.microsoft.com/office/drawing/2014/main" id="{E20BD86A-5F46-4284-B9CA-9163F8760A7D}"/>
               </a:ext>
             </a:extLst>
           </p:cNvPr>
@@ -5081,8 +6381,8 @@
         </p:blipFill>
         <p:spPr>
           <a:xfrm>
-            <a:off x="4730664" y="431301"/>
-            <a:ext cx="6921582" cy="5995397"/>
+            <a:off x="4950557" y="349933"/>
+            <a:ext cx="6326618" cy="6158134"/>
           </a:xfrm>
           <a:prstGeom prst="rect">
             <a:avLst/>
@@ -5104,6 +6404,192 @@
     </p:spTree>
     <p:extLst>
       <p:ext uri="{BB962C8B-B14F-4D97-AF65-F5344CB8AC3E}">
+        <p14:creationId xmlns:p14="http://schemas.microsoft.com/office/powerpoint/2010/main" val="1475237318"/>
+      </p:ext>
+    </p:extLst>
+  </p:cSld>
+  <p:clrMapOvr>
+    <a:masterClrMapping/>
+  </p:clrMapOvr>
+</p:sld>
+</file>
+
+<file path=ppt/slides/slide14.xml><?xml version="1.0" encoding="utf-8"?>
+<p:sld xmlns:a="http://schemas.openxmlformats.org/drawingml/2006/main" xmlns:r="http://schemas.openxmlformats.org/officeDocument/2006/relationships" xmlns:p="http://schemas.openxmlformats.org/presentationml/2006/main">
+  <p:cSld>
+    <p:spTree>
+      <p:nvGrpSpPr>
+        <p:cNvPr id="1" name=""/>
+        <p:cNvGrpSpPr/>
+        <p:nvPr/>
+      </p:nvGrpSpPr>
+      <p:grpSpPr>
+        <a:xfrm>
+          <a:off x="0" y="0"/>
+          <a:ext cx="0" cy="0"/>
+          <a:chOff x="0" y="0"/>
+          <a:chExt cx="0" cy="0"/>
+        </a:xfrm>
+      </p:grpSpPr>
+      <p:sp>
+        <p:nvSpPr>
+          <p:cNvPr id="4" name="Заголовок 3">
+            <a:extLst>
+              <a:ext uri="{FF2B5EF4-FFF2-40B4-BE49-F238E27FC236}">
+                <a16:creationId xmlns:a16="http://schemas.microsoft.com/office/drawing/2014/main" id="{E15CB48A-1C59-47AF-9D00-949C8460CC7D}"/>
+              </a:ext>
+            </a:extLst>
+          </p:cNvPr>
+          <p:cNvSpPr>
+            <a:spLocks noGrp="1"/>
+          </p:cNvSpPr>
+          <p:nvPr>
+            <p:ph type="title"/>
+          </p:nvPr>
+        </p:nvSpPr>
+        <p:spPr>
+          <a:xfrm>
+            <a:off x="457200" y="594359"/>
+            <a:ext cx="3200400" cy="807721"/>
+          </a:xfrm>
+        </p:spPr>
+        <p:txBody>
+          <a:bodyPr>
+            <a:normAutofit/>
+          </a:bodyPr>
+          <a:lstStyle/>
+          <a:p>
+            <a:r>
+              <a:rPr lang="ru-RU" sz="4400" dirty="0"/>
+              <a:t>Результаты</a:t>
+            </a:r>
+          </a:p>
+        </p:txBody>
+      </p:sp>
+      <p:sp>
+        <p:nvSpPr>
+          <p:cNvPr id="6" name="Текст 5">
+            <a:extLst>
+              <a:ext uri="{FF2B5EF4-FFF2-40B4-BE49-F238E27FC236}">
+                <a16:creationId xmlns:a16="http://schemas.microsoft.com/office/drawing/2014/main" id="{9876465D-A81E-4967-BEA9-F76C78886775}"/>
+              </a:ext>
+            </a:extLst>
+          </p:cNvPr>
+          <p:cNvSpPr>
+            <a:spLocks noGrp="1"/>
+          </p:cNvSpPr>
+          <p:nvPr>
+            <p:ph type="body" sz="half" idx="2"/>
+          </p:nvPr>
+        </p:nvSpPr>
+        <p:spPr>
+          <a:xfrm>
+            <a:off x="457199" y="1402080"/>
+            <a:ext cx="3331029" cy="4903124"/>
+          </a:xfrm>
+        </p:spPr>
+        <p:txBody>
+          <a:bodyPr>
+            <a:normAutofit/>
+          </a:bodyPr>
+          <a:lstStyle/>
+          <a:p>
+            <a:pPr marL="514350" indent="-514350">
+              <a:buClr>
+                <a:schemeClr val="bg1"/>
+              </a:buClr>
+              <a:buAutoNum type="arabicPeriod"/>
+            </a:pPr>
+            <a:r>
+              <a:rPr lang="ru-RU" sz="2800" dirty="0">
+                <a:solidFill>
+                  <a:schemeClr val="bg1"/>
+                </a:solidFill>
+              </a:rPr>
+              <a:t>Кнопка Назад</a:t>
+            </a:r>
+          </a:p>
+          <a:p>
+            <a:pPr marL="514350" indent="-514350">
+              <a:buClr>
+                <a:schemeClr val="bg1"/>
+              </a:buClr>
+              <a:buAutoNum type="arabicPeriod"/>
+            </a:pPr>
+            <a:r>
+              <a:rPr lang="ru-RU" sz="2800" dirty="0">
+                <a:solidFill>
+                  <a:schemeClr val="bg1"/>
+                </a:solidFill>
+              </a:rPr>
+              <a:t>Турнирная Таблица</a:t>
+            </a:r>
+          </a:p>
+          <a:p>
+            <a:pPr marL="514350" indent="-514350">
+              <a:buClr>
+                <a:schemeClr val="bg1"/>
+              </a:buClr>
+              <a:buAutoNum type="arabicPeriod"/>
+            </a:pPr>
+            <a:r>
+              <a:rPr lang="ru-RU" sz="2800" dirty="0">
+                <a:solidFill>
+                  <a:schemeClr val="bg1"/>
+                </a:solidFill>
+              </a:rPr>
+              <a:t>Расшифровка таблицы текстом</a:t>
+            </a:r>
+          </a:p>
+        </p:txBody>
+      </p:sp>
+      <p:pic>
+        <p:nvPicPr>
+          <p:cNvPr id="14" name="Объект 13">
+            <a:extLst>
+              <a:ext uri="{FF2B5EF4-FFF2-40B4-BE49-F238E27FC236}">
+                <a16:creationId xmlns:a16="http://schemas.microsoft.com/office/drawing/2014/main" id="{4296239D-FFE9-435F-9D9A-AEA71EF39BF5}"/>
+              </a:ext>
+            </a:extLst>
+          </p:cNvPr>
+          <p:cNvPicPr>
+            <a:picLocks noGrp="1" noChangeAspect="1"/>
+          </p:cNvPicPr>
+          <p:nvPr>
+            <p:ph idx="1"/>
+          </p:nvPr>
+        </p:nvPicPr>
+        <p:blipFill>
+          <a:blip r:embed="rId2"/>
+          <a:stretch>
+            <a:fillRect/>
+          </a:stretch>
+        </p:blipFill>
+        <p:spPr>
+          <a:xfrm>
+            <a:off x="4730664" y="431301"/>
+            <a:ext cx="6921582" cy="5995397"/>
+          </a:xfrm>
+          <a:prstGeom prst="rect">
+            <a:avLst/>
+          </a:prstGeom>
+          <a:ln w="88900" cap="sq" cmpd="thickThin">
+            <a:solidFill>
+              <a:srgbClr val="000000"/>
+            </a:solidFill>
+            <a:prstDash val="solid"/>
+            <a:miter lim="800000"/>
+          </a:ln>
+          <a:effectLst>
+            <a:innerShdw blurRad="76200">
+              <a:srgbClr val="000000"/>
+            </a:innerShdw>
+          </a:effectLst>
+        </p:spPr>
+      </p:pic>
+    </p:spTree>
+    <p:extLst>
+      <p:ext uri="{BB962C8B-B14F-4D97-AF65-F5344CB8AC3E}">
         <p14:creationId xmlns:p14="http://schemas.microsoft.com/office/powerpoint/2010/main" val="2792661320"/>
       </p:ext>
     </p:extLst>
@@ -5114,7 +6600,7 @@
 </p:sld>
 </file>
 
-<file path=ppt/slides/slide14.xml><?xml version="1.0" encoding="utf-8"?>
+<file path=ppt/slides/slide15.xml><?xml version="1.0" encoding="utf-8"?>
 <p:sld xmlns:a="http://schemas.openxmlformats.org/drawingml/2006/main" xmlns:r="http://schemas.openxmlformats.org/officeDocument/2006/relationships" xmlns:p="http://schemas.openxmlformats.org/presentationml/2006/main">
   <p:cSld>
     <p:spTree>
@@ -5436,7 +6922,7 @@
             </a:pPr>
             <a:r>
               <a:rPr lang="ru-RU" sz="2800" dirty="0"/>
-              <a:t>Концепция похожа на </a:t>
+              <a:t>Интерфейс похож на </a:t>
             </a:r>
             <a:r>
               <a:rPr lang="en-US" sz="2800" dirty="0"/>
@@ -5631,13 +7117,8 @@
             </a:r>
             <a:r>
               <a:rPr lang="ru-RU" sz="2800" dirty="0"/>
-              <a:t>. </a:t>
-            </a:r>
-            <a:r>
-              <a:rPr lang="ru-RU" sz="2800"/>
-              <a:t>Реализовать авторизацию.</a:t>
-            </a:r>
-            <a:endParaRPr lang="ru-RU" sz="2800" dirty="0"/>
+              <a:t>. Реализовать авторизацию.</a:t>
+            </a:r>
           </a:p>
           <a:p>
             <a:pPr>
@@ -5646,7 +7127,15 @@
             </a:pPr>
             <a:r>
               <a:rPr lang="ru-RU" sz="2800" dirty="0"/>
-              <a:t>Получать данные проектов из таблицы.</a:t>
+              <a:t>Получать данные из </a:t>
+            </a:r>
+            <a:r>
+              <a:rPr lang="en-US" sz="2800"/>
+              <a:t>Notion</a:t>
+            </a:r>
+            <a:r>
+              <a:rPr lang="ru-RU" sz="2800"/>
+              <a:t>.</a:t>
             </a:r>
             <a:endParaRPr lang="en-US" sz="2800" dirty="0"/>
           </a:p>
@@ -5803,7 +7292,11 @@
             </a:pPr>
             <a:r>
               <a:rPr lang="en-US" sz="2800" dirty="0"/>
-              <a:t> React Native</a:t>
+              <a:t> </a:t>
+            </a:r>
+            <a:r>
+              <a:rPr lang="en-US" sz="3200" dirty="0"/>
+              <a:t>React Native</a:t>
             </a:r>
           </a:p>
           <a:p>
@@ -5812,8 +7305,18 @@
               <a:buChar char="•"/>
             </a:pPr>
             <a:r>
-              <a:rPr lang="en-US" sz="2800" dirty="0"/>
+              <a:rPr lang="en-US" sz="3200" dirty="0"/>
               <a:t> API Notion</a:t>
+            </a:r>
+          </a:p>
+          <a:p>
+            <a:pPr>
+              <a:buFont typeface="Arial" panose="020B0604020202020204" pitchFamily="34" charset="0"/>
+              <a:buChar char="•"/>
+            </a:pPr>
+            <a:r>
+              <a:rPr lang="en-US" sz="3200" dirty="0"/>
+              <a:t> GitHub Pages</a:t>
             </a:r>
           </a:p>
           <a:p>
@@ -5954,6 +7457,121 @@
           <a:chExt cx="0" cy="0"/>
         </a:xfrm>
       </p:grpSpPr>
+      <p:pic>
+        <p:nvPicPr>
+          <p:cNvPr id="3074" name="Picture 2" descr="Абстрактное описание протокола">
+            <a:extLst>
+              <a:ext uri="{FF2B5EF4-FFF2-40B4-BE49-F238E27FC236}">
+                <a16:creationId xmlns:a16="http://schemas.microsoft.com/office/drawing/2014/main" id="{670B41E1-EA87-4830-98FD-2FAC5393B73C}"/>
+              </a:ext>
+            </a:extLst>
+          </p:cNvPr>
+          <p:cNvPicPr>
+            <a:picLocks noChangeAspect="1" noChangeArrowheads="1"/>
+          </p:cNvPicPr>
+          <p:nvPr/>
+        </p:nvPicPr>
+        <p:blipFill rotWithShape="1">
+          <a:blip r:embed="rId2">
+            <a:extLst>
+              <a:ext uri="{28A0092B-C50C-407E-A947-70E740481C1C}">
+                <a14:useLocalDpi xmlns:a14="http://schemas.microsoft.com/office/drawing/2010/main" val="0"/>
+              </a:ext>
+            </a:extLst>
+          </a:blip>
+          <a:srcRect t="12589" b="1001"/>
+          <a:stretch/>
+        </p:blipFill>
+        <p:spPr bwMode="auto">
+          <a:xfrm>
+            <a:off x="1554773" y="914399"/>
+            <a:ext cx="9082454" cy="5310753"/>
+          </a:xfrm>
+          <a:prstGeom prst="rect">
+            <a:avLst/>
+          </a:prstGeom>
+          <a:noFill/>
+          <a:extLst>
+            <a:ext uri="{909E8E84-426E-40DD-AFC4-6F175D3DCCD1}">
+              <a14:hiddenFill xmlns:a14="http://schemas.microsoft.com/office/drawing/2010/main">
+                <a:solidFill>
+                  <a:srgbClr val="FFFFFF"/>
+                </a:solidFill>
+              </a14:hiddenFill>
+            </a:ext>
+          </a:extLst>
+        </p:spPr>
+      </p:pic>
+      <p:sp>
+        <p:nvSpPr>
+          <p:cNvPr id="6" name="TextBox 5">
+            <a:extLst>
+              <a:ext uri="{FF2B5EF4-FFF2-40B4-BE49-F238E27FC236}">
+                <a16:creationId xmlns:a16="http://schemas.microsoft.com/office/drawing/2014/main" id="{EE907F75-286D-4AEF-A5CF-A1A85A648DD8}"/>
+              </a:ext>
+            </a:extLst>
+          </p:cNvPr>
+          <p:cNvSpPr txBox="1"/>
+          <p:nvPr/>
+        </p:nvSpPr>
+        <p:spPr>
+          <a:xfrm>
+            <a:off x="1620864" y="206513"/>
+            <a:ext cx="8950271" cy="707886"/>
+          </a:xfrm>
+          <a:prstGeom prst="rect">
+            <a:avLst/>
+          </a:prstGeom>
+          <a:noFill/>
+        </p:spPr>
+        <p:txBody>
+          <a:bodyPr wrap="none" rtlCol="0">
+            <a:spAutoFit/>
+          </a:bodyPr>
+          <a:lstStyle/>
+          <a:p>
+            <a:r>
+              <a:rPr lang="ru-RU" sz="4000" dirty="0"/>
+              <a:t>Абстрактное описание протокола </a:t>
+            </a:r>
+            <a:r>
+              <a:rPr lang="en-US" sz="4000" dirty="0"/>
+              <a:t>OAuth</a:t>
+            </a:r>
+            <a:endParaRPr lang="ru-RU" sz="4000" dirty="0"/>
+          </a:p>
+        </p:txBody>
+      </p:sp>
+    </p:spTree>
+    <p:extLst>
+      <p:ext uri="{BB962C8B-B14F-4D97-AF65-F5344CB8AC3E}">
+        <p14:creationId xmlns:p14="http://schemas.microsoft.com/office/powerpoint/2010/main" val="1505285998"/>
+      </p:ext>
+    </p:extLst>
+  </p:cSld>
+  <p:clrMapOvr>
+    <a:masterClrMapping/>
+  </p:clrMapOvr>
+</p:sld>
+</file>
+
+<file path=ppt/slides/slide8.xml><?xml version="1.0" encoding="utf-8"?>
+<p:sld xmlns:a="http://schemas.openxmlformats.org/drawingml/2006/main" xmlns:r="http://schemas.openxmlformats.org/officeDocument/2006/relationships" xmlns:p="http://schemas.openxmlformats.org/presentationml/2006/main">
+  <p:cSld>
+    <p:spTree>
+      <p:nvGrpSpPr>
+        <p:cNvPr id="1" name=""/>
+        <p:cNvGrpSpPr/>
+        <p:nvPr/>
+      </p:nvGrpSpPr>
+      <p:grpSpPr>
+        <a:xfrm>
+          <a:off x="0" y="0"/>
+          <a:ext cx="0" cy="0"/>
+          <a:chOff x="0" y="0"/>
+          <a:chExt cx="0" cy="0"/>
+        </a:xfrm>
+      </p:grpSpPr>
       <p:sp>
         <p:nvSpPr>
           <p:cNvPr id="5" name="Заголовок 4">
@@ -6084,7 +7702,7 @@
 </p:sld>
 </file>
 
-<file path=ppt/slides/slide8.xml><?xml version="1.0" encoding="utf-8"?>
+<file path=ppt/slides/slide9.xml><?xml version="1.0" encoding="utf-8"?>
 <p:sld xmlns:a="http://schemas.openxmlformats.org/drawingml/2006/main" xmlns:r="http://schemas.openxmlformats.org/officeDocument/2006/relationships" xmlns:p="http://schemas.openxmlformats.org/presentationml/2006/main">
   <p:cSld>
     <p:spTree>
@@ -6725,1491 +8343,6 @@
     <p:extLst>
       <p:ext uri="{BB962C8B-B14F-4D97-AF65-F5344CB8AC3E}">
         <p14:creationId xmlns:p14="http://schemas.microsoft.com/office/powerpoint/2010/main" val="4017844508"/>
-      </p:ext>
-    </p:extLst>
-  </p:cSld>
-  <p:clrMapOvr>
-    <a:masterClrMapping/>
-  </p:clrMapOvr>
-</p:sld>
-</file>
-
-<file path=ppt/slides/slide9.xml><?xml version="1.0" encoding="utf-8"?>
-<p:sld xmlns:a="http://schemas.openxmlformats.org/drawingml/2006/main" xmlns:r="http://schemas.openxmlformats.org/officeDocument/2006/relationships" xmlns:p="http://schemas.openxmlformats.org/presentationml/2006/main">
-  <p:cSld>
-    <p:spTree>
-      <p:nvGrpSpPr>
-        <p:cNvPr id="1" name=""/>
-        <p:cNvGrpSpPr/>
-        <p:nvPr/>
-      </p:nvGrpSpPr>
-      <p:grpSpPr>
-        <a:xfrm>
-          <a:off x="0" y="0"/>
-          <a:ext cx="0" cy="0"/>
-          <a:chOff x="0" y="0"/>
-          <a:chExt cx="0" cy="0"/>
-        </a:xfrm>
-      </p:grpSpPr>
-      <p:sp>
-        <p:nvSpPr>
-          <p:cNvPr id="2" name="Заголовок 1">
-            <a:extLst>
-              <a:ext uri="{FF2B5EF4-FFF2-40B4-BE49-F238E27FC236}">
-                <a16:creationId xmlns:a16="http://schemas.microsoft.com/office/drawing/2014/main" id="{4CE7DC7D-CF5A-4288-8C7D-8034B2D2C8EB}"/>
-              </a:ext>
-            </a:extLst>
-          </p:cNvPr>
-          <p:cNvSpPr>
-            <a:spLocks noGrp="1"/>
-          </p:cNvSpPr>
-          <p:nvPr>
-            <p:ph type="title"/>
-          </p:nvPr>
-        </p:nvSpPr>
-        <p:spPr>
-          <a:xfrm>
-            <a:off x="1097280" y="286603"/>
-            <a:ext cx="10058400" cy="794851"/>
-          </a:xfrm>
-        </p:spPr>
-        <p:txBody>
-          <a:bodyPr/>
-          <a:lstStyle/>
-          <a:p>
-            <a:r>
-              <a:rPr lang="ru-RU" dirty="0"/>
-              <a:t>Архитектура</a:t>
-            </a:r>
-          </a:p>
-        </p:txBody>
-      </p:sp>
-      <p:sp>
-        <p:nvSpPr>
-          <p:cNvPr id="4" name="Прямоугольник 3">
-            <a:extLst>
-              <a:ext uri="{FF2B5EF4-FFF2-40B4-BE49-F238E27FC236}">
-                <a16:creationId xmlns:a16="http://schemas.microsoft.com/office/drawing/2014/main" id="{B453DD33-E701-48BE-A10C-406249185209}"/>
-              </a:ext>
-            </a:extLst>
-          </p:cNvPr>
-          <p:cNvSpPr/>
-          <p:nvPr/>
-        </p:nvSpPr>
-        <p:spPr>
-          <a:xfrm>
-            <a:off x="4241261" y="4745683"/>
-            <a:ext cx="2570817" cy="1450909"/>
-          </a:xfrm>
-          <a:prstGeom prst="rect">
-            <a:avLst/>
-          </a:prstGeom>
-        </p:spPr>
-        <p:style>
-          <a:lnRef idx="2">
-            <a:schemeClr val="accent1">
-              <a:shade val="50000"/>
-            </a:schemeClr>
-          </a:lnRef>
-          <a:fillRef idx="1">
-            <a:schemeClr val="accent1"/>
-          </a:fillRef>
-          <a:effectRef idx="0">
-            <a:schemeClr val="accent1"/>
-          </a:effectRef>
-          <a:fontRef idx="minor">
-            <a:schemeClr val="lt1"/>
-          </a:fontRef>
-        </p:style>
-        <p:txBody>
-          <a:bodyPr rtlCol="0" anchor="ctr"/>
-          <a:lstStyle/>
-          <a:p>
-            <a:pPr algn="ctr"/>
-            <a:r>
-              <a:rPr lang="ru-RU" dirty="0">
-                <a:solidFill>
-                  <a:schemeClr val="bg1"/>
-                </a:solidFill>
-              </a:rPr>
-              <a:t>ПЛАТФОРМА</a:t>
-            </a:r>
-          </a:p>
-        </p:txBody>
-      </p:sp>
-      <p:sp>
-        <p:nvSpPr>
-          <p:cNvPr id="5" name="Овал 4">
-            <a:extLst>
-              <a:ext uri="{FF2B5EF4-FFF2-40B4-BE49-F238E27FC236}">
-                <a16:creationId xmlns:a16="http://schemas.microsoft.com/office/drawing/2014/main" id="{D575A598-5551-4999-828E-B3DBD9EA1504}"/>
-              </a:ext>
-            </a:extLst>
-          </p:cNvPr>
-          <p:cNvSpPr/>
-          <p:nvPr/>
-        </p:nvSpPr>
-        <p:spPr>
-          <a:xfrm>
-            <a:off x="4355129" y="1045017"/>
-            <a:ext cx="2343079" cy="1450757"/>
-          </a:xfrm>
-          <a:prstGeom prst="ellipse">
-            <a:avLst/>
-          </a:prstGeom>
-          <a:ln w="38100">
-            <a:solidFill>
-              <a:schemeClr val="accent5"/>
-            </a:solidFill>
-          </a:ln>
-        </p:spPr>
-        <p:style>
-          <a:lnRef idx="2">
-            <a:schemeClr val="accent1">
-              <a:shade val="50000"/>
-            </a:schemeClr>
-          </a:lnRef>
-          <a:fillRef idx="1">
-            <a:schemeClr val="accent1"/>
-          </a:fillRef>
-          <a:effectRef idx="0">
-            <a:schemeClr val="accent1"/>
-          </a:effectRef>
-          <a:fontRef idx="minor">
-            <a:schemeClr val="lt1"/>
-          </a:fontRef>
-        </p:style>
-        <p:txBody>
-          <a:bodyPr rtlCol="0" anchor="ctr"/>
-          <a:lstStyle/>
-          <a:p>
-            <a:pPr algn="ctr"/>
-            <a:r>
-              <a:rPr lang="ru-RU" dirty="0"/>
-              <a:t>БОТЫ</a:t>
-            </a:r>
-          </a:p>
-          <a:p>
-            <a:pPr algn="ctr"/>
-            <a:r>
-              <a:rPr lang="en-US" dirty="0"/>
-              <a:t>.py .pyw .exe</a:t>
-            </a:r>
-          </a:p>
-          <a:p>
-            <a:pPr algn="ctr"/>
-            <a:r>
-              <a:rPr lang="ru-RU" dirty="0"/>
-              <a:t>Где угодно</a:t>
-            </a:r>
-          </a:p>
-        </p:txBody>
-      </p:sp>
-      <p:sp>
-        <p:nvSpPr>
-          <p:cNvPr id="6" name="Прямоугольник: скругленные углы 5">
-            <a:extLst>
-              <a:ext uri="{FF2B5EF4-FFF2-40B4-BE49-F238E27FC236}">
-                <a16:creationId xmlns:a16="http://schemas.microsoft.com/office/drawing/2014/main" id="{F643DDCC-075B-4F74-A14B-133CE88FBB51}"/>
-              </a:ext>
-            </a:extLst>
-          </p:cNvPr>
-          <p:cNvSpPr/>
-          <p:nvPr/>
-        </p:nvSpPr>
-        <p:spPr>
-          <a:xfrm>
-            <a:off x="196413" y="1175880"/>
-            <a:ext cx="2228779" cy="1067205"/>
-          </a:xfrm>
-          <a:prstGeom prst="roundRect">
-            <a:avLst/>
-          </a:prstGeom>
-          <a:ln w="28575">
-            <a:solidFill>
-              <a:srgbClr val="FF0000"/>
-            </a:solidFill>
-          </a:ln>
-        </p:spPr>
-        <p:style>
-          <a:lnRef idx="2">
-            <a:schemeClr val="accent1">
-              <a:shade val="50000"/>
-            </a:schemeClr>
-          </a:lnRef>
-          <a:fillRef idx="1">
-            <a:schemeClr val="accent1"/>
-          </a:fillRef>
-          <a:effectRef idx="0">
-            <a:schemeClr val="accent1"/>
-          </a:effectRef>
-          <a:fontRef idx="minor">
-            <a:schemeClr val="lt1"/>
-          </a:fontRef>
-        </p:style>
-        <p:txBody>
-          <a:bodyPr rtlCol="0" anchor="ctr"/>
-          <a:lstStyle/>
-          <a:p>
-            <a:pPr algn="ctr"/>
-            <a:endParaRPr lang="en-US" dirty="0"/>
-          </a:p>
-          <a:p>
-            <a:pPr algn="ctr"/>
-            <a:r>
-              <a:rPr lang="ru-RU" dirty="0"/>
-              <a:t>ИГРА</a:t>
-            </a:r>
-            <a:endParaRPr lang="en-US" dirty="0"/>
-          </a:p>
-          <a:p>
-            <a:pPr algn="ctr"/>
-            <a:r>
-              <a:rPr lang="ru-RU" dirty="0"/>
-              <a:t>.</a:t>
-            </a:r>
-            <a:r>
-              <a:rPr lang="en-US" dirty="0"/>
-              <a:t>py</a:t>
-            </a:r>
-            <a:endParaRPr lang="ru-RU" dirty="0"/>
-          </a:p>
-          <a:p>
-            <a:pPr algn="ctr"/>
-            <a:r>
-              <a:rPr lang="en-US" dirty="0"/>
-              <a:t>BotsFight/games</a:t>
-            </a:r>
-            <a:endParaRPr lang="ru-RU" dirty="0"/>
-          </a:p>
-          <a:p>
-            <a:pPr algn="ctr"/>
-            <a:endParaRPr lang="ru-RU" dirty="0"/>
-          </a:p>
-        </p:txBody>
-      </p:sp>
-      <p:sp>
-        <p:nvSpPr>
-          <p:cNvPr id="16" name="Блок-схема: подготовка 15">
-            <a:extLst>
-              <a:ext uri="{FF2B5EF4-FFF2-40B4-BE49-F238E27FC236}">
-                <a16:creationId xmlns:a16="http://schemas.microsoft.com/office/drawing/2014/main" id="{15473030-76B2-44ED-9646-4C1AF5589CEA}"/>
-              </a:ext>
-            </a:extLst>
-          </p:cNvPr>
-          <p:cNvSpPr/>
-          <p:nvPr/>
-        </p:nvSpPr>
-        <p:spPr>
-          <a:xfrm>
-            <a:off x="9731122" y="1175880"/>
-            <a:ext cx="2264465" cy="1142938"/>
-          </a:xfrm>
-          <a:prstGeom prst="flowChartPreparation">
-            <a:avLst/>
-          </a:prstGeom>
-        </p:spPr>
-        <p:style>
-          <a:lnRef idx="2">
-            <a:schemeClr val="accent1">
-              <a:shade val="50000"/>
-            </a:schemeClr>
-          </a:lnRef>
-          <a:fillRef idx="1">
-            <a:schemeClr val="accent1"/>
-          </a:fillRef>
-          <a:effectRef idx="0">
-            <a:schemeClr val="accent1"/>
-          </a:effectRef>
-          <a:fontRef idx="minor">
-            <a:schemeClr val="lt1"/>
-          </a:fontRef>
-        </p:style>
-        <p:txBody>
-          <a:bodyPr rtlCol="0" anchor="ctr"/>
-          <a:lstStyle/>
-          <a:p>
-            <a:pPr algn="ctr"/>
-            <a:r>
-              <a:rPr lang="ru-RU" dirty="0"/>
-              <a:t>ВЫВОД</a:t>
-            </a:r>
-            <a:endParaRPr lang="en-US" dirty="0"/>
-          </a:p>
-          <a:p>
-            <a:pPr algn="ctr"/>
-            <a:r>
-              <a:rPr lang="ru-RU" dirty="0"/>
-              <a:t>Окно программы</a:t>
-            </a:r>
-          </a:p>
-        </p:txBody>
-      </p:sp>
-      <p:cxnSp>
-        <p:nvCxnSpPr>
-          <p:cNvPr id="19" name="Соединитель: уступ 18">
-            <a:extLst>
-              <a:ext uri="{FF2B5EF4-FFF2-40B4-BE49-F238E27FC236}">
-                <a16:creationId xmlns:a16="http://schemas.microsoft.com/office/drawing/2014/main" id="{D8909597-E346-4506-B7BA-D2C07A8EF2FA}"/>
-              </a:ext>
-            </a:extLst>
-          </p:cNvPr>
-          <p:cNvCxnSpPr>
-            <a:cxnSpLocks/>
-          </p:cNvCxnSpPr>
-          <p:nvPr/>
-        </p:nvCxnSpPr>
-        <p:spPr>
-          <a:xfrm>
-            <a:off x="576285" y="2243084"/>
-            <a:ext cx="3669761" cy="3228053"/>
-          </a:xfrm>
-          <a:prstGeom prst="bentConnector3">
-            <a:avLst>
-              <a:gd name="adj1" fmla="val -74"/>
-            </a:avLst>
-          </a:prstGeom>
-          <a:ln w="57150">
-            <a:solidFill>
-              <a:srgbClr val="FF0000"/>
-            </a:solidFill>
-            <a:tailEnd type="triangle"/>
-          </a:ln>
-        </p:spPr>
-        <p:style>
-          <a:lnRef idx="1">
-            <a:schemeClr val="accent1"/>
-          </a:lnRef>
-          <a:fillRef idx="0">
-            <a:schemeClr val="accent1"/>
-          </a:fillRef>
-          <a:effectRef idx="0">
-            <a:schemeClr val="accent1"/>
-          </a:effectRef>
-          <a:fontRef idx="minor">
-            <a:schemeClr val="tx1"/>
-          </a:fontRef>
-        </p:style>
-      </p:cxnSp>
-      <p:cxnSp>
-        <p:nvCxnSpPr>
-          <p:cNvPr id="20" name="Соединитель: уступ 19">
-            <a:extLst>
-              <a:ext uri="{FF2B5EF4-FFF2-40B4-BE49-F238E27FC236}">
-                <a16:creationId xmlns:a16="http://schemas.microsoft.com/office/drawing/2014/main" id="{719B3341-F0D8-40B8-BBBB-A6456E882BB4}"/>
-              </a:ext>
-            </a:extLst>
-          </p:cNvPr>
-          <p:cNvCxnSpPr>
-            <a:cxnSpLocks/>
-          </p:cNvCxnSpPr>
-          <p:nvPr/>
-        </p:nvCxnSpPr>
-        <p:spPr>
-          <a:xfrm rot="10800000">
-            <a:off x="334109" y="2243085"/>
-            <a:ext cx="4560739" cy="3832400"/>
-          </a:xfrm>
-          <a:prstGeom prst="bentConnector3">
-            <a:avLst>
-              <a:gd name="adj1" fmla="val 99931"/>
-            </a:avLst>
-          </a:prstGeom>
-          <a:ln w="57150">
-            <a:solidFill>
-              <a:schemeClr val="accent1"/>
-            </a:solidFill>
-            <a:tailEnd type="triangle"/>
-          </a:ln>
-        </p:spPr>
-        <p:style>
-          <a:lnRef idx="1">
-            <a:schemeClr val="accent1"/>
-          </a:lnRef>
-          <a:fillRef idx="0">
-            <a:schemeClr val="accent1"/>
-          </a:fillRef>
-          <a:effectRef idx="0">
-            <a:schemeClr val="accent1"/>
-          </a:effectRef>
-          <a:fontRef idx="minor">
-            <a:schemeClr val="tx1"/>
-          </a:fontRef>
-        </p:style>
-      </p:cxnSp>
-      <p:sp>
-        <p:nvSpPr>
-          <p:cNvPr id="31" name="TextBox 30">
-            <a:extLst>
-              <a:ext uri="{FF2B5EF4-FFF2-40B4-BE49-F238E27FC236}">
-                <a16:creationId xmlns:a16="http://schemas.microsoft.com/office/drawing/2014/main" id="{D495EE35-BA77-4EAA-A515-3ABEAAA0ACFB}"/>
-              </a:ext>
-            </a:extLst>
-          </p:cNvPr>
-          <p:cNvSpPr txBox="1"/>
-          <p:nvPr/>
-        </p:nvSpPr>
-        <p:spPr>
-          <a:xfrm>
-            <a:off x="1089065" y="5552265"/>
-            <a:ext cx="2649983" cy="523220"/>
-          </a:xfrm>
-          <a:prstGeom prst="rect">
-            <a:avLst/>
-          </a:prstGeom>
-          <a:noFill/>
-        </p:spPr>
-        <p:txBody>
-          <a:bodyPr wrap="square" rtlCol="0">
-            <a:spAutoFit/>
-          </a:bodyPr>
-          <a:lstStyle/>
-          <a:p>
-            <a:r>
-              <a:rPr lang="ru-RU" sz="2800" dirty="0">
-                <a:solidFill>
-                  <a:schemeClr val="accent2">
-                    <a:lumMod val="75000"/>
-                  </a:schemeClr>
-                </a:solidFill>
-              </a:rPr>
-              <a:t>Настройки Игры</a:t>
-            </a:r>
-          </a:p>
-        </p:txBody>
-      </p:sp>
-      <p:sp>
-        <p:nvSpPr>
-          <p:cNvPr id="32" name="TextBox 31">
-            <a:extLst>
-              <a:ext uri="{FF2B5EF4-FFF2-40B4-BE49-F238E27FC236}">
-                <a16:creationId xmlns:a16="http://schemas.microsoft.com/office/drawing/2014/main" id="{31EDC6C7-1608-4F61-8497-E799E37EADBA}"/>
-              </a:ext>
-            </a:extLst>
-          </p:cNvPr>
-          <p:cNvSpPr txBox="1"/>
-          <p:nvPr/>
-        </p:nvSpPr>
-        <p:spPr>
-          <a:xfrm>
-            <a:off x="1056128" y="4982072"/>
-            <a:ext cx="3087174" cy="523220"/>
-          </a:xfrm>
-          <a:prstGeom prst="rect">
-            <a:avLst/>
-          </a:prstGeom>
-          <a:noFill/>
-        </p:spPr>
-        <p:txBody>
-          <a:bodyPr wrap="square" rtlCol="0">
-            <a:spAutoFit/>
-          </a:bodyPr>
-          <a:lstStyle/>
-          <a:p>
-            <a:r>
-              <a:rPr lang="ru-RU" sz="2800" dirty="0">
-                <a:solidFill>
-                  <a:srgbClr val="800000"/>
-                </a:solidFill>
-              </a:rPr>
-              <a:t>Поле </a:t>
-            </a:r>
-            <a:r>
-              <a:rPr lang="en-US" sz="2800" dirty="0">
-                <a:solidFill>
-                  <a:srgbClr val="800000"/>
-                </a:solidFill>
-              </a:rPr>
-              <a:t>| </a:t>
-            </a:r>
-            <a:r>
-              <a:rPr lang="ru-RU" sz="2800" dirty="0">
-                <a:solidFill>
-                  <a:srgbClr val="800000"/>
-                </a:solidFill>
-              </a:rPr>
-              <a:t>Статус игры</a:t>
-            </a:r>
-          </a:p>
-        </p:txBody>
-      </p:sp>
-      <p:cxnSp>
-        <p:nvCxnSpPr>
-          <p:cNvPr id="33" name="Соединитель: уступ 32">
-            <a:extLst>
-              <a:ext uri="{FF2B5EF4-FFF2-40B4-BE49-F238E27FC236}">
-                <a16:creationId xmlns:a16="http://schemas.microsoft.com/office/drawing/2014/main" id="{071C4E3E-B080-4537-A478-F991F3CCAA98}"/>
-              </a:ext>
-            </a:extLst>
-          </p:cNvPr>
-          <p:cNvCxnSpPr>
-            <a:cxnSpLocks/>
-            <a:endCxn id="5" idx="3"/>
-          </p:cNvCxnSpPr>
-          <p:nvPr/>
-        </p:nvCxnSpPr>
-        <p:spPr>
-          <a:xfrm rot="5400000" flipH="1" flipV="1">
-            <a:off x="3250817" y="3298235"/>
-            <a:ext cx="2462367" cy="432530"/>
-          </a:xfrm>
-          <a:prstGeom prst="bentConnector3">
-            <a:avLst>
-              <a:gd name="adj1" fmla="val 50000"/>
-            </a:avLst>
-          </a:prstGeom>
-          <a:ln w="57150">
-            <a:solidFill>
-              <a:schemeClr val="accent1"/>
-            </a:solidFill>
-            <a:tailEnd type="triangle"/>
-          </a:ln>
-        </p:spPr>
-        <p:style>
-          <a:lnRef idx="1">
-            <a:schemeClr val="accent1"/>
-          </a:lnRef>
-          <a:fillRef idx="0">
-            <a:schemeClr val="accent1"/>
-          </a:fillRef>
-          <a:effectRef idx="0">
-            <a:schemeClr val="accent1"/>
-          </a:effectRef>
-          <a:fontRef idx="minor">
-            <a:schemeClr val="tx1"/>
-          </a:fontRef>
-        </p:style>
-      </p:cxnSp>
-      <p:sp>
-        <p:nvSpPr>
-          <p:cNvPr id="44" name="TextBox 43">
-            <a:extLst>
-              <a:ext uri="{FF2B5EF4-FFF2-40B4-BE49-F238E27FC236}">
-                <a16:creationId xmlns:a16="http://schemas.microsoft.com/office/drawing/2014/main" id="{48FAB55F-D061-405B-B3A3-89E2D05B3CD4}"/>
-              </a:ext>
-            </a:extLst>
-          </p:cNvPr>
-          <p:cNvSpPr txBox="1"/>
-          <p:nvPr/>
-        </p:nvSpPr>
-        <p:spPr>
-          <a:xfrm>
-            <a:off x="4293100" y="3530297"/>
-            <a:ext cx="455159" cy="1331450"/>
-          </a:xfrm>
-          <a:prstGeom prst="rect">
-            <a:avLst/>
-          </a:prstGeom>
-          <a:noFill/>
-        </p:spPr>
-        <p:txBody>
-          <a:bodyPr vert="horz" wrap="square" bIns="36000" rtlCol="0">
-            <a:spAutoFit/>
-            <a:scene3d>
-              <a:camera prst="orthographicFront">
-                <a:rot lat="0" lon="0" rev="0"/>
-              </a:camera>
-              <a:lightRig rig="threePt" dir="t"/>
-            </a:scene3d>
-          </a:bodyPr>
-          <a:lstStyle/>
-          <a:p>
-            <a:pPr>
-              <a:lnSpc>
-                <a:spcPts val="2360"/>
-              </a:lnSpc>
-            </a:pPr>
-            <a:r>
-              <a:rPr lang="ru-RU" sz="2800" dirty="0">
-                <a:solidFill>
-                  <a:schemeClr val="accent2">
-                    <a:lumMod val="75000"/>
-                  </a:schemeClr>
-                </a:solidFill>
-              </a:rPr>
-              <a:t>Поле</a:t>
-            </a:r>
-          </a:p>
-        </p:txBody>
-      </p:sp>
-      <p:cxnSp>
-        <p:nvCxnSpPr>
-          <p:cNvPr id="45" name="Соединитель: уступ 44">
-            <a:extLst>
-              <a:ext uri="{FF2B5EF4-FFF2-40B4-BE49-F238E27FC236}">
-                <a16:creationId xmlns:a16="http://schemas.microsoft.com/office/drawing/2014/main" id="{9196F20E-34BE-4595-BDF3-F01E82A809F1}"/>
-              </a:ext>
-            </a:extLst>
-          </p:cNvPr>
-          <p:cNvCxnSpPr>
-            <a:cxnSpLocks/>
-            <a:stCxn id="5" idx="5"/>
-          </p:cNvCxnSpPr>
-          <p:nvPr/>
-        </p:nvCxnSpPr>
-        <p:spPr>
-          <a:xfrm rot="16200000" flipH="1">
-            <a:off x="5323591" y="3314796"/>
-            <a:ext cx="2462366" cy="399405"/>
-          </a:xfrm>
-          <a:prstGeom prst="bentConnector3">
-            <a:avLst>
-              <a:gd name="adj1" fmla="val 50000"/>
-            </a:avLst>
-          </a:prstGeom>
-          <a:ln w="57150">
-            <a:solidFill>
-              <a:srgbClr val="00B050"/>
-            </a:solidFill>
-            <a:tailEnd type="triangle"/>
-          </a:ln>
-        </p:spPr>
-        <p:style>
-          <a:lnRef idx="1">
-            <a:schemeClr val="accent1"/>
-          </a:lnRef>
-          <a:fillRef idx="0">
-            <a:schemeClr val="accent1"/>
-          </a:fillRef>
-          <a:effectRef idx="0">
-            <a:schemeClr val="accent1"/>
-          </a:effectRef>
-          <a:fontRef idx="minor">
-            <a:schemeClr val="tx1"/>
-          </a:fontRef>
-        </p:style>
-      </p:cxnSp>
-      <p:sp>
-        <p:nvSpPr>
-          <p:cNvPr id="48" name="TextBox 47">
-            <a:extLst>
-              <a:ext uri="{FF2B5EF4-FFF2-40B4-BE49-F238E27FC236}">
-                <a16:creationId xmlns:a16="http://schemas.microsoft.com/office/drawing/2014/main" id="{A8D5B330-8404-4579-97AD-C96E161D02CC}"/>
-              </a:ext>
-            </a:extLst>
-          </p:cNvPr>
-          <p:cNvSpPr txBox="1"/>
-          <p:nvPr/>
-        </p:nvSpPr>
-        <p:spPr>
-          <a:xfrm>
-            <a:off x="6410252" y="2337907"/>
-            <a:ext cx="356932" cy="1056370"/>
-          </a:xfrm>
-          <a:prstGeom prst="rect">
-            <a:avLst/>
-          </a:prstGeom>
-          <a:noFill/>
-        </p:spPr>
-        <p:txBody>
-          <a:bodyPr vert="horz" wrap="square" bIns="36000" rtlCol="0">
-            <a:spAutoFit/>
-            <a:scene3d>
-              <a:camera prst="orthographicFront">
-                <a:rot lat="0" lon="0" rev="0"/>
-              </a:camera>
-              <a:lightRig rig="threePt" dir="t"/>
-            </a:scene3d>
-          </a:bodyPr>
-          <a:lstStyle/>
-          <a:p>
-            <a:pPr>
-              <a:lnSpc>
-                <a:spcPts val="2360"/>
-              </a:lnSpc>
-            </a:pPr>
-            <a:r>
-              <a:rPr lang="ru-RU" sz="2800" dirty="0">
-                <a:solidFill>
-                  <a:srgbClr val="00B050"/>
-                </a:solidFill>
-              </a:rPr>
-              <a:t>Ход</a:t>
-            </a:r>
-          </a:p>
-        </p:txBody>
-      </p:sp>
-      <p:cxnSp>
-        <p:nvCxnSpPr>
-          <p:cNvPr id="49" name="Соединитель: уступ 48">
-            <a:extLst>
-              <a:ext uri="{FF2B5EF4-FFF2-40B4-BE49-F238E27FC236}">
-                <a16:creationId xmlns:a16="http://schemas.microsoft.com/office/drawing/2014/main" id="{8DB7CE15-8F3F-4DCA-B20C-DEC8A274A2C9}"/>
-              </a:ext>
-            </a:extLst>
-          </p:cNvPr>
-          <p:cNvCxnSpPr>
-            <a:cxnSpLocks/>
-            <a:stCxn id="4" idx="3"/>
-            <a:endCxn id="16" idx="2"/>
-          </p:cNvCxnSpPr>
-          <p:nvPr/>
-        </p:nvCxnSpPr>
-        <p:spPr>
-          <a:xfrm flipV="1">
-            <a:off x="6812078" y="2318818"/>
-            <a:ext cx="4051277" cy="3152320"/>
-          </a:xfrm>
-          <a:prstGeom prst="bentConnector2">
-            <a:avLst/>
-          </a:prstGeom>
-          <a:ln w="57150">
-            <a:solidFill>
-              <a:schemeClr val="accent1"/>
-            </a:solidFill>
-            <a:tailEnd type="triangle"/>
-          </a:ln>
-        </p:spPr>
-        <p:style>
-          <a:lnRef idx="1">
-            <a:schemeClr val="accent1"/>
-          </a:lnRef>
-          <a:fillRef idx="0">
-            <a:schemeClr val="accent1"/>
-          </a:fillRef>
-          <a:effectRef idx="0">
-            <a:schemeClr val="accent1"/>
-          </a:effectRef>
-          <a:fontRef idx="minor">
-            <a:schemeClr val="tx1"/>
-          </a:fontRef>
-        </p:style>
-      </p:cxnSp>
-      <p:sp>
-        <p:nvSpPr>
-          <p:cNvPr id="52" name="TextBox 51">
-            <a:extLst>
-              <a:ext uri="{FF2B5EF4-FFF2-40B4-BE49-F238E27FC236}">
-                <a16:creationId xmlns:a16="http://schemas.microsoft.com/office/drawing/2014/main" id="{14E2B01C-25DE-4F12-ADEB-A4221E46F1F0}"/>
-              </a:ext>
-            </a:extLst>
-          </p:cNvPr>
-          <p:cNvSpPr txBox="1"/>
-          <p:nvPr/>
-        </p:nvSpPr>
-        <p:spPr>
-          <a:xfrm>
-            <a:off x="6812079" y="4903794"/>
-            <a:ext cx="3104082" cy="523220"/>
-          </a:xfrm>
-          <a:prstGeom prst="rect">
-            <a:avLst/>
-          </a:prstGeom>
-          <a:noFill/>
-        </p:spPr>
-        <p:txBody>
-          <a:bodyPr wrap="square" rtlCol="0">
-            <a:spAutoFit/>
-          </a:bodyPr>
-          <a:lstStyle/>
-          <a:p>
-            <a:r>
-              <a:rPr lang="ru-RU" sz="2800" dirty="0">
-                <a:solidFill>
-                  <a:schemeClr val="accent2">
-                    <a:lumMod val="75000"/>
-                  </a:schemeClr>
-                </a:solidFill>
-              </a:rPr>
-              <a:t>Поле </a:t>
-            </a:r>
-            <a:r>
-              <a:rPr lang="en-US" sz="2800" dirty="0">
-                <a:solidFill>
-                  <a:schemeClr val="accent2">
-                    <a:lumMod val="75000"/>
-                  </a:schemeClr>
-                </a:solidFill>
-              </a:rPr>
-              <a:t>| </a:t>
-            </a:r>
-            <a:r>
-              <a:rPr lang="ru-RU" sz="2800" dirty="0">
-                <a:solidFill>
-                  <a:schemeClr val="accent2">
-                    <a:lumMod val="75000"/>
-                  </a:schemeClr>
-                </a:solidFill>
-              </a:rPr>
-              <a:t>Статус Игры</a:t>
-            </a:r>
-          </a:p>
-        </p:txBody>
-      </p:sp>
-      <p:cxnSp>
-        <p:nvCxnSpPr>
-          <p:cNvPr id="53" name="Соединитель: уступ 52">
-            <a:extLst>
-              <a:ext uri="{FF2B5EF4-FFF2-40B4-BE49-F238E27FC236}">
-                <a16:creationId xmlns:a16="http://schemas.microsoft.com/office/drawing/2014/main" id="{8A03F5BE-C426-48B5-B168-3FD385C50C3A}"/>
-              </a:ext>
-            </a:extLst>
-          </p:cNvPr>
-          <p:cNvCxnSpPr>
-            <a:cxnSpLocks/>
-          </p:cNvCxnSpPr>
-          <p:nvPr/>
-        </p:nvCxnSpPr>
-        <p:spPr>
-          <a:xfrm rot="10800000" flipV="1">
-            <a:off x="6824786" y="2318818"/>
-            <a:ext cx="4574734" cy="3739526"/>
-          </a:xfrm>
-          <a:prstGeom prst="bentConnector3">
-            <a:avLst>
-              <a:gd name="adj1" fmla="val 30"/>
-            </a:avLst>
-          </a:prstGeom>
-          <a:ln w="57150">
-            <a:solidFill>
-              <a:schemeClr val="accent1"/>
-            </a:solidFill>
-            <a:tailEnd type="triangle"/>
-          </a:ln>
-        </p:spPr>
-        <p:style>
-          <a:lnRef idx="1">
-            <a:schemeClr val="accent1"/>
-          </a:lnRef>
-          <a:fillRef idx="0">
-            <a:schemeClr val="accent1"/>
-          </a:fillRef>
-          <a:effectRef idx="0">
-            <a:schemeClr val="accent1"/>
-          </a:effectRef>
-          <a:fontRef idx="minor">
-            <a:schemeClr val="tx1"/>
-          </a:fontRef>
-        </p:style>
-      </p:cxnSp>
-      <p:sp>
-        <p:nvSpPr>
-          <p:cNvPr id="59" name="TextBox 58">
-            <a:extLst>
-              <a:ext uri="{FF2B5EF4-FFF2-40B4-BE49-F238E27FC236}">
-                <a16:creationId xmlns:a16="http://schemas.microsoft.com/office/drawing/2014/main" id="{6339AC66-90EB-4543-9708-58ACE6269CE3}"/>
-              </a:ext>
-            </a:extLst>
-          </p:cNvPr>
-          <p:cNvSpPr txBox="1"/>
-          <p:nvPr/>
-        </p:nvSpPr>
-        <p:spPr>
-          <a:xfrm>
-            <a:off x="6824785" y="5503131"/>
-            <a:ext cx="2917752" cy="523220"/>
-          </a:xfrm>
-          <a:prstGeom prst="rect">
-            <a:avLst/>
-          </a:prstGeom>
-          <a:noFill/>
-        </p:spPr>
-        <p:txBody>
-          <a:bodyPr wrap="square" rtlCol="0">
-            <a:spAutoFit/>
-          </a:bodyPr>
-          <a:lstStyle/>
-          <a:p>
-            <a:r>
-              <a:rPr lang="ru-RU" sz="2800" dirty="0">
-                <a:solidFill>
-                  <a:schemeClr val="accent2">
-                    <a:lumMod val="75000"/>
-                  </a:schemeClr>
-                </a:solidFill>
-              </a:rPr>
-              <a:t>Настройки Игры</a:t>
-            </a:r>
-          </a:p>
-        </p:txBody>
-      </p:sp>
-      <p:sp>
-        <p:nvSpPr>
-          <p:cNvPr id="60" name="Овал 59">
-            <a:extLst>
-              <a:ext uri="{FF2B5EF4-FFF2-40B4-BE49-F238E27FC236}">
-                <a16:creationId xmlns:a16="http://schemas.microsoft.com/office/drawing/2014/main" id="{83B92665-2073-41E9-8A84-CD14EE3AE6A4}"/>
-              </a:ext>
-            </a:extLst>
-          </p:cNvPr>
-          <p:cNvSpPr>
-            <a:spLocks noChangeAspect="1"/>
-          </p:cNvSpPr>
-          <p:nvPr/>
-        </p:nvSpPr>
-        <p:spPr>
-          <a:xfrm>
-            <a:off x="9463259" y="5570768"/>
-            <a:ext cx="452902" cy="452902"/>
-          </a:xfrm>
-          <a:prstGeom prst="ellipse">
-            <a:avLst/>
-          </a:prstGeom>
-          <a:solidFill>
-            <a:schemeClr val="bg1"/>
-          </a:solidFill>
-          <a:ln>
-            <a:solidFill>
-              <a:srgbClr val="7030A0"/>
-            </a:solidFill>
-          </a:ln>
-        </p:spPr>
-        <p:style>
-          <a:lnRef idx="2">
-            <a:schemeClr val="accent1">
-              <a:shade val="50000"/>
-            </a:schemeClr>
-          </a:lnRef>
-          <a:fillRef idx="1">
-            <a:schemeClr val="accent1"/>
-          </a:fillRef>
-          <a:effectRef idx="0">
-            <a:schemeClr val="accent1"/>
-          </a:effectRef>
-          <a:fontRef idx="minor">
-            <a:schemeClr val="lt1"/>
-          </a:fontRef>
-        </p:style>
-        <p:txBody>
-          <a:bodyPr rtlCol="0" anchor="ctr"/>
-          <a:lstStyle/>
-          <a:p>
-            <a:pPr algn="ctr"/>
-            <a:r>
-              <a:rPr lang="ru-RU" sz="3200" dirty="0">
-                <a:solidFill>
-                  <a:schemeClr val="tx1"/>
-                </a:solidFill>
-              </a:rPr>
-              <a:t>1</a:t>
-            </a:r>
-          </a:p>
-        </p:txBody>
-      </p:sp>
-      <p:sp>
-        <p:nvSpPr>
-          <p:cNvPr id="61" name="Овал 60">
-            <a:extLst>
-              <a:ext uri="{FF2B5EF4-FFF2-40B4-BE49-F238E27FC236}">
-                <a16:creationId xmlns:a16="http://schemas.microsoft.com/office/drawing/2014/main" id="{14CBE9A5-3698-4911-8D9F-8A35D8DF8F67}"/>
-              </a:ext>
-            </a:extLst>
-          </p:cNvPr>
-          <p:cNvSpPr>
-            <a:spLocks noChangeAspect="1"/>
-          </p:cNvSpPr>
-          <p:nvPr/>
-        </p:nvSpPr>
-        <p:spPr>
-          <a:xfrm>
-            <a:off x="636162" y="5602311"/>
-            <a:ext cx="452902" cy="452902"/>
-          </a:xfrm>
-          <a:prstGeom prst="ellipse">
-            <a:avLst/>
-          </a:prstGeom>
-          <a:solidFill>
-            <a:schemeClr val="bg1"/>
-          </a:solidFill>
-          <a:ln>
-            <a:solidFill>
-              <a:srgbClr val="7030A0"/>
-            </a:solidFill>
-          </a:ln>
-        </p:spPr>
-        <p:style>
-          <a:lnRef idx="2">
-            <a:schemeClr val="accent1">
-              <a:shade val="50000"/>
-            </a:schemeClr>
-          </a:lnRef>
-          <a:fillRef idx="1">
-            <a:schemeClr val="accent1"/>
-          </a:fillRef>
-          <a:effectRef idx="0">
-            <a:schemeClr val="accent1"/>
-          </a:effectRef>
-          <a:fontRef idx="minor">
-            <a:schemeClr val="lt1"/>
-          </a:fontRef>
-        </p:style>
-        <p:txBody>
-          <a:bodyPr rtlCol="0" anchor="ctr"/>
-          <a:lstStyle/>
-          <a:p>
-            <a:pPr algn="ctr"/>
-            <a:r>
-              <a:rPr lang="ru-RU" sz="3200" dirty="0">
-                <a:solidFill>
-                  <a:schemeClr val="tx1"/>
-                </a:solidFill>
-              </a:rPr>
-              <a:t>2</a:t>
-            </a:r>
-          </a:p>
-        </p:txBody>
-      </p:sp>
-      <p:sp>
-        <p:nvSpPr>
-          <p:cNvPr id="62" name="Овал 61">
-            <a:extLst>
-              <a:ext uri="{FF2B5EF4-FFF2-40B4-BE49-F238E27FC236}">
-                <a16:creationId xmlns:a16="http://schemas.microsoft.com/office/drawing/2014/main" id="{4C885867-1A2C-43A6-A437-A36348E7E856}"/>
-              </a:ext>
-            </a:extLst>
-          </p:cNvPr>
-          <p:cNvSpPr>
-            <a:spLocks noChangeAspect="1"/>
-          </p:cNvSpPr>
-          <p:nvPr/>
-        </p:nvSpPr>
-        <p:spPr>
-          <a:xfrm>
-            <a:off x="658377" y="4982071"/>
-            <a:ext cx="452902" cy="452902"/>
-          </a:xfrm>
-          <a:prstGeom prst="ellipse">
-            <a:avLst/>
-          </a:prstGeom>
-          <a:solidFill>
-            <a:schemeClr val="bg1"/>
-          </a:solidFill>
-          <a:ln>
-            <a:solidFill>
-              <a:srgbClr val="7030A0"/>
-            </a:solidFill>
-          </a:ln>
-        </p:spPr>
-        <p:style>
-          <a:lnRef idx="2">
-            <a:schemeClr val="accent1">
-              <a:shade val="50000"/>
-            </a:schemeClr>
-          </a:lnRef>
-          <a:fillRef idx="1">
-            <a:schemeClr val="accent1"/>
-          </a:fillRef>
-          <a:effectRef idx="0">
-            <a:schemeClr val="accent1"/>
-          </a:effectRef>
-          <a:fontRef idx="minor">
-            <a:schemeClr val="lt1"/>
-          </a:fontRef>
-        </p:style>
-        <p:txBody>
-          <a:bodyPr rtlCol="0" anchor="ctr"/>
-          <a:lstStyle/>
-          <a:p>
-            <a:pPr algn="ctr"/>
-            <a:r>
-              <a:rPr lang="ru-RU" sz="3200" dirty="0">
-                <a:solidFill>
-                  <a:schemeClr val="tx1"/>
-                </a:solidFill>
-              </a:rPr>
-              <a:t>3</a:t>
-            </a:r>
-          </a:p>
-        </p:txBody>
-      </p:sp>
-      <p:sp>
-        <p:nvSpPr>
-          <p:cNvPr id="63" name="Овал 62">
-            <a:extLst>
-              <a:ext uri="{FF2B5EF4-FFF2-40B4-BE49-F238E27FC236}">
-                <a16:creationId xmlns:a16="http://schemas.microsoft.com/office/drawing/2014/main" id="{75F1FAD4-C73D-4D45-857E-ECDF2EAFEA1E}"/>
-              </a:ext>
-            </a:extLst>
-          </p:cNvPr>
-          <p:cNvSpPr>
-            <a:spLocks noChangeAspect="1"/>
-          </p:cNvSpPr>
-          <p:nvPr/>
-        </p:nvSpPr>
-        <p:spPr>
-          <a:xfrm>
-            <a:off x="4153154" y="2941375"/>
-            <a:ext cx="452902" cy="452902"/>
-          </a:xfrm>
-          <a:prstGeom prst="ellipse">
-            <a:avLst/>
-          </a:prstGeom>
-          <a:solidFill>
-            <a:schemeClr val="bg1"/>
-          </a:solidFill>
-          <a:ln>
-            <a:solidFill>
-              <a:srgbClr val="7030A0"/>
-            </a:solidFill>
-          </a:ln>
-        </p:spPr>
-        <p:style>
-          <a:lnRef idx="2">
-            <a:schemeClr val="accent1">
-              <a:shade val="50000"/>
-            </a:schemeClr>
-          </a:lnRef>
-          <a:fillRef idx="1">
-            <a:schemeClr val="accent1"/>
-          </a:fillRef>
-          <a:effectRef idx="0">
-            <a:schemeClr val="accent1"/>
-          </a:effectRef>
-          <a:fontRef idx="minor">
-            <a:schemeClr val="lt1"/>
-          </a:fontRef>
-        </p:style>
-        <p:txBody>
-          <a:bodyPr rtlCol="0" anchor="ctr"/>
-          <a:lstStyle/>
-          <a:p>
-            <a:pPr algn="ctr"/>
-            <a:r>
-              <a:rPr lang="ru-RU" sz="3200" dirty="0">
-                <a:solidFill>
-                  <a:schemeClr val="tx1"/>
-                </a:solidFill>
-              </a:rPr>
-              <a:t>4</a:t>
-            </a:r>
-          </a:p>
-        </p:txBody>
-      </p:sp>
-      <p:sp>
-        <p:nvSpPr>
-          <p:cNvPr id="64" name="Овал 63">
-            <a:extLst>
-              <a:ext uri="{FF2B5EF4-FFF2-40B4-BE49-F238E27FC236}">
-                <a16:creationId xmlns:a16="http://schemas.microsoft.com/office/drawing/2014/main" id="{2572208E-EB18-43EA-8ED3-7D2519ADDA74}"/>
-              </a:ext>
-            </a:extLst>
-          </p:cNvPr>
-          <p:cNvSpPr>
-            <a:spLocks noChangeAspect="1"/>
-          </p:cNvSpPr>
-          <p:nvPr/>
-        </p:nvSpPr>
-        <p:spPr>
-          <a:xfrm>
-            <a:off x="6230840" y="3623426"/>
-            <a:ext cx="467368" cy="467368"/>
-          </a:xfrm>
-          <a:prstGeom prst="ellipse">
-            <a:avLst/>
-          </a:prstGeom>
-          <a:solidFill>
-            <a:schemeClr val="bg1"/>
-          </a:solidFill>
-          <a:ln>
-            <a:solidFill>
-              <a:srgbClr val="7030A0"/>
-            </a:solidFill>
-          </a:ln>
-        </p:spPr>
-        <p:style>
-          <a:lnRef idx="2">
-            <a:schemeClr val="accent1">
-              <a:shade val="50000"/>
-            </a:schemeClr>
-          </a:lnRef>
-          <a:fillRef idx="1">
-            <a:schemeClr val="accent1"/>
-          </a:fillRef>
-          <a:effectRef idx="0">
-            <a:schemeClr val="accent1"/>
-          </a:effectRef>
-          <a:fontRef idx="minor">
-            <a:schemeClr val="lt1"/>
-          </a:fontRef>
-        </p:style>
-        <p:txBody>
-          <a:bodyPr rtlCol="0" anchor="ctr"/>
-          <a:lstStyle/>
-          <a:p>
-            <a:pPr algn="ctr"/>
-            <a:r>
-              <a:rPr lang="en-US" sz="3200" dirty="0">
-                <a:solidFill>
-                  <a:schemeClr val="tx1"/>
-                </a:solidFill>
-              </a:rPr>
-              <a:t>5</a:t>
-            </a:r>
-            <a:endParaRPr lang="ru-RU" sz="3200" dirty="0">
-              <a:solidFill>
-                <a:schemeClr val="tx1"/>
-              </a:solidFill>
-            </a:endParaRPr>
-          </a:p>
-        </p:txBody>
-      </p:sp>
-      <p:sp>
-        <p:nvSpPr>
-          <p:cNvPr id="65" name="Овал 64">
-            <a:extLst>
-              <a:ext uri="{FF2B5EF4-FFF2-40B4-BE49-F238E27FC236}">
-                <a16:creationId xmlns:a16="http://schemas.microsoft.com/office/drawing/2014/main" id="{6CE371CF-E54D-424C-9E3B-A871D0620809}"/>
-              </a:ext>
-            </a:extLst>
-          </p:cNvPr>
-          <p:cNvSpPr>
-            <a:spLocks noChangeAspect="1"/>
-          </p:cNvSpPr>
-          <p:nvPr/>
-        </p:nvSpPr>
-        <p:spPr>
-          <a:xfrm>
-            <a:off x="1524252" y="4399864"/>
-            <a:ext cx="452902" cy="452902"/>
-          </a:xfrm>
-          <a:prstGeom prst="ellipse">
-            <a:avLst/>
-          </a:prstGeom>
-          <a:solidFill>
-            <a:schemeClr val="bg1"/>
-          </a:solidFill>
-          <a:ln>
-            <a:solidFill>
-              <a:srgbClr val="7030A0"/>
-            </a:solidFill>
-          </a:ln>
-        </p:spPr>
-        <p:style>
-          <a:lnRef idx="2">
-            <a:schemeClr val="accent1">
-              <a:shade val="50000"/>
-            </a:schemeClr>
-          </a:lnRef>
-          <a:fillRef idx="1">
-            <a:schemeClr val="accent1"/>
-          </a:fillRef>
-          <a:effectRef idx="0">
-            <a:schemeClr val="accent1"/>
-          </a:effectRef>
-          <a:fontRef idx="minor">
-            <a:schemeClr val="lt1"/>
-          </a:fontRef>
-        </p:style>
-        <p:txBody>
-          <a:bodyPr rtlCol="0" anchor="ctr"/>
-          <a:lstStyle/>
-          <a:p>
-            <a:pPr algn="ctr"/>
-            <a:r>
-              <a:rPr lang="en-US" sz="3200" dirty="0">
-                <a:solidFill>
-                  <a:schemeClr val="tx1"/>
-                </a:solidFill>
-              </a:rPr>
-              <a:t>6</a:t>
-            </a:r>
-            <a:endParaRPr lang="ru-RU" sz="3200" dirty="0">
-              <a:solidFill>
-                <a:schemeClr val="tx1"/>
-              </a:solidFill>
-            </a:endParaRPr>
-          </a:p>
-        </p:txBody>
-      </p:sp>
-      <p:cxnSp>
-        <p:nvCxnSpPr>
-          <p:cNvPr id="66" name="Соединитель: уступ 65">
-            <a:extLst>
-              <a:ext uri="{FF2B5EF4-FFF2-40B4-BE49-F238E27FC236}">
-                <a16:creationId xmlns:a16="http://schemas.microsoft.com/office/drawing/2014/main" id="{3D691D97-E1EE-4815-954B-841BD774CBE4}"/>
-              </a:ext>
-            </a:extLst>
-          </p:cNvPr>
-          <p:cNvCxnSpPr>
-            <a:cxnSpLocks/>
-            <a:endCxn id="6" idx="2"/>
-          </p:cNvCxnSpPr>
-          <p:nvPr/>
-        </p:nvCxnSpPr>
-        <p:spPr>
-          <a:xfrm rot="10800000">
-            <a:off x="1310804" y="2243086"/>
-            <a:ext cx="2912903" cy="2660709"/>
-          </a:xfrm>
-          <a:prstGeom prst="bentConnector2">
-            <a:avLst/>
-          </a:prstGeom>
-          <a:ln w="57150">
-            <a:solidFill>
-              <a:schemeClr val="accent1"/>
-            </a:solidFill>
-            <a:tailEnd type="triangle"/>
-          </a:ln>
-        </p:spPr>
-        <p:style>
-          <a:lnRef idx="1">
-            <a:schemeClr val="accent1"/>
-          </a:lnRef>
-          <a:fillRef idx="0">
-            <a:schemeClr val="accent1"/>
-          </a:fillRef>
-          <a:effectRef idx="0">
-            <a:schemeClr val="accent1"/>
-          </a:effectRef>
-          <a:fontRef idx="minor">
-            <a:schemeClr val="tx1"/>
-          </a:fontRef>
-        </p:style>
-      </p:cxnSp>
-      <p:sp>
-        <p:nvSpPr>
-          <p:cNvPr id="69" name="TextBox 68">
-            <a:extLst>
-              <a:ext uri="{FF2B5EF4-FFF2-40B4-BE49-F238E27FC236}">
-                <a16:creationId xmlns:a16="http://schemas.microsoft.com/office/drawing/2014/main" id="{EDC40F92-0A77-45DC-A584-2A8BDFB58CAA}"/>
-              </a:ext>
-            </a:extLst>
-          </p:cNvPr>
-          <p:cNvSpPr txBox="1"/>
-          <p:nvPr/>
-        </p:nvSpPr>
-        <p:spPr>
-          <a:xfrm>
-            <a:off x="2059420" y="4405089"/>
-            <a:ext cx="1587809" cy="523220"/>
-          </a:xfrm>
-          <a:prstGeom prst="rect">
-            <a:avLst/>
-          </a:prstGeom>
-          <a:noFill/>
-        </p:spPr>
-        <p:txBody>
-          <a:bodyPr wrap="square" rtlCol="0">
-            <a:spAutoFit/>
-          </a:bodyPr>
-          <a:lstStyle/>
-          <a:p>
-            <a:r>
-              <a:rPr lang="ru-RU" sz="2800" dirty="0">
-                <a:solidFill>
-                  <a:schemeClr val="accent2">
-                    <a:lumMod val="75000"/>
-                  </a:schemeClr>
-                </a:solidFill>
-              </a:rPr>
-              <a:t>Ход Бота</a:t>
-            </a:r>
-          </a:p>
-        </p:txBody>
-      </p:sp>
-      <p:sp>
-        <p:nvSpPr>
-          <p:cNvPr id="73" name="Овал 72">
-            <a:extLst>
-              <a:ext uri="{FF2B5EF4-FFF2-40B4-BE49-F238E27FC236}">
-                <a16:creationId xmlns:a16="http://schemas.microsoft.com/office/drawing/2014/main" id="{15C95894-A8EC-4E6D-BBB1-D3C7B636FD3E}"/>
-              </a:ext>
-            </a:extLst>
-          </p:cNvPr>
-          <p:cNvSpPr>
-            <a:spLocks noChangeAspect="1"/>
-          </p:cNvSpPr>
-          <p:nvPr/>
-        </p:nvSpPr>
-        <p:spPr>
-          <a:xfrm>
-            <a:off x="9911457" y="4938953"/>
-            <a:ext cx="452902" cy="452902"/>
-          </a:xfrm>
-          <a:prstGeom prst="ellipse">
-            <a:avLst/>
-          </a:prstGeom>
-          <a:solidFill>
-            <a:schemeClr val="bg1"/>
-          </a:solidFill>
-          <a:ln>
-            <a:solidFill>
-              <a:srgbClr val="7030A0"/>
-            </a:solidFill>
-          </a:ln>
-        </p:spPr>
-        <p:style>
-          <a:lnRef idx="2">
-            <a:schemeClr val="accent1">
-              <a:shade val="50000"/>
-            </a:schemeClr>
-          </a:lnRef>
-          <a:fillRef idx="1">
-            <a:schemeClr val="accent1"/>
-          </a:fillRef>
-          <a:effectRef idx="0">
-            <a:schemeClr val="accent1"/>
-          </a:effectRef>
-          <a:fontRef idx="minor">
-            <a:schemeClr val="lt1"/>
-          </a:fontRef>
-        </p:style>
-        <p:txBody>
-          <a:bodyPr rtlCol="0" anchor="ctr"/>
-          <a:lstStyle/>
-          <a:p>
-            <a:pPr algn="ctr"/>
-            <a:r>
-              <a:rPr lang="ru-RU" sz="3200" dirty="0">
-                <a:solidFill>
-                  <a:schemeClr val="tx1"/>
-                </a:solidFill>
-              </a:rPr>
-              <a:t>7</a:t>
-            </a:r>
-          </a:p>
-        </p:txBody>
-      </p:sp>
-      <p:cxnSp>
-        <p:nvCxnSpPr>
-          <p:cNvPr id="76" name="Соединитель: уступ 75">
-            <a:extLst>
-              <a:ext uri="{FF2B5EF4-FFF2-40B4-BE49-F238E27FC236}">
-                <a16:creationId xmlns:a16="http://schemas.microsoft.com/office/drawing/2014/main" id="{F0B8930E-369E-4A24-885B-8F441BCAF028}"/>
-              </a:ext>
-            </a:extLst>
-          </p:cNvPr>
-          <p:cNvCxnSpPr>
-            <a:cxnSpLocks/>
-            <a:stCxn id="65" idx="2"/>
-            <a:endCxn id="62" idx="0"/>
-          </p:cNvCxnSpPr>
-          <p:nvPr/>
-        </p:nvCxnSpPr>
-        <p:spPr>
-          <a:xfrm rot="10800000" flipV="1">
-            <a:off x="884828" y="4626315"/>
-            <a:ext cx="639424" cy="355756"/>
-          </a:xfrm>
-          <a:prstGeom prst="bentConnector2">
-            <a:avLst/>
-          </a:prstGeom>
-          <a:ln w="38100">
-            <a:solidFill>
-              <a:srgbClr val="7030A0"/>
-            </a:solidFill>
-            <a:tailEnd type="triangle"/>
-          </a:ln>
-        </p:spPr>
-        <p:style>
-          <a:lnRef idx="1">
-            <a:schemeClr val="accent1"/>
-          </a:lnRef>
-          <a:fillRef idx="0">
-            <a:schemeClr val="accent1"/>
-          </a:fillRef>
-          <a:effectRef idx="0">
-            <a:schemeClr val="accent1"/>
-          </a:effectRef>
-          <a:fontRef idx="minor">
-            <a:schemeClr val="tx1"/>
-          </a:fontRef>
-        </p:style>
-      </p:cxnSp>
-    </p:spTree>
-    <p:extLst>
-      <p:ext uri="{BB962C8B-B14F-4D97-AF65-F5344CB8AC3E}">
-        <p14:creationId xmlns:p14="http://schemas.microsoft.com/office/powerpoint/2010/main" val="831779919"/>
       </p:ext>
     </p:extLst>
   </p:cSld>
